--- a/Part-1-Type-Value-Variable/Web 前端入門(一).pptx
+++ b/Part-1-Type-Value-Variable/Web 前端入門(一).pptx
@@ -47,8 +47,9 @@
     <p:sldId id="308" r:id="rId41"/>
     <p:sldId id="310" r:id="rId42"/>
     <p:sldId id="309" r:id="rId43"/>
-    <p:sldId id="304" r:id="rId44"/>
-    <p:sldId id="305" r:id="rId45"/>
+    <p:sldId id="311" r:id="rId44"/>
+    <p:sldId id="304" r:id="rId45"/>
+    <p:sldId id="305" r:id="rId46"/>
   </p:sldIdLst>
   <p:sldSz cx="12192000" cy="6858000"/>
   <p:notesSz cx="6858000" cy="9144000"/>
@@ -877,7 +878,7 @@
           <a:p>
             <a:fld id="{F446BB86-F09E-4FED-B7A5-8D3B59B06E94}" type="datetimeFigureOut">
               <a:rPr lang="zh-TW" altLang="en-US" smtClean="0"/>
-              <a:t>2016/6/2</a:t>
+              <a:t>2016/6/3</a:t>
             </a:fld>
             <a:endParaRPr lang="zh-TW" altLang="en-US"/>
           </a:p>
@@ -1128,7 +1129,7 @@
           <a:p>
             <a:fld id="{F446BB86-F09E-4FED-B7A5-8D3B59B06E94}" type="datetimeFigureOut">
               <a:rPr lang="zh-TW" altLang="en-US" smtClean="0"/>
-              <a:t>2016/6/2</a:t>
+              <a:t>2016/6/3</a:t>
             </a:fld>
             <a:endParaRPr lang="zh-TW" altLang="en-US"/>
           </a:p>
@@ -1442,7 +1443,7 @@
           <a:p>
             <a:fld id="{F446BB86-F09E-4FED-B7A5-8D3B59B06E94}" type="datetimeFigureOut">
               <a:rPr lang="zh-TW" altLang="en-US" smtClean="0"/>
-              <a:t>2016/6/2</a:t>
+              <a:t>2016/6/3</a:t>
             </a:fld>
             <a:endParaRPr lang="zh-TW" altLang="en-US"/>
           </a:p>
@@ -1783,7 +1784,7 @@
           <a:p>
             <a:fld id="{F446BB86-F09E-4FED-B7A5-8D3B59B06E94}" type="datetimeFigureOut">
               <a:rPr lang="zh-TW" altLang="en-US" smtClean="0"/>
-              <a:t>2016/6/2</a:t>
+              <a:t>2016/6/3</a:t>
             </a:fld>
             <a:endParaRPr lang="zh-TW" altLang="en-US"/>
           </a:p>
@@ -2097,7 +2098,7 @@
           <a:p>
             <a:fld id="{F446BB86-F09E-4FED-B7A5-8D3B59B06E94}" type="datetimeFigureOut">
               <a:rPr lang="zh-TW" altLang="en-US" smtClean="0"/>
-              <a:t>2016/6/2</a:t>
+              <a:t>2016/6/3</a:t>
             </a:fld>
             <a:endParaRPr lang="zh-TW" altLang="en-US"/>
           </a:p>
@@ -2490,7 +2491,7 @@
           <a:p>
             <a:fld id="{F446BB86-F09E-4FED-B7A5-8D3B59B06E94}" type="datetimeFigureOut">
               <a:rPr lang="zh-TW" altLang="en-US" smtClean="0"/>
-              <a:t>2016/6/2</a:t>
+              <a:t>2016/6/3</a:t>
             </a:fld>
             <a:endParaRPr lang="zh-TW" altLang="en-US"/>
           </a:p>
@@ -2660,7 +2661,7 @@
           <a:p>
             <a:fld id="{F446BB86-F09E-4FED-B7A5-8D3B59B06E94}" type="datetimeFigureOut">
               <a:rPr lang="zh-TW" altLang="en-US" smtClean="0"/>
-              <a:t>2016/6/2</a:t>
+              <a:t>2016/6/3</a:t>
             </a:fld>
             <a:endParaRPr lang="zh-TW" altLang="en-US"/>
           </a:p>
@@ -2840,7 +2841,7 @@
           <a:p>
             <a:fld id="{F446BB86-F09E-4FED-B7A5-8D3B59B06E94}" type="datetimeFigureOut">
               <a:rPr lang="zh-TW" altLang="en-US" smtClean="0"/>
-              <a:t>2016/6/2</a:t>
+              <a:t>2016/6/3</a:t>
             </a:fld>
             <a:endParaRPr lang="zh-TW" altLang="en-US"/>
           </a:p>
@@ -3016,7 +3017,7 @@
           <a:p>
             <a:fld id="{F446BB86-F09E-4FED-B7A5-8D3B59B06E94}" type="datetimeFigureOut">
               <a:rPr lang="zh-TW" altLang="en-US" smtClean="0"/>
-              <a:t>2016/6/2</a:t>
+              <a:t>2016/6/3</a:t>
             </a:fld>
             <a:endParaRPr lang="zh-TW" altLang="en-US"/>
           </a:p>
@@ -3263,7 +3264,7 @@
           <a:p>
             <a:fld id="{F446BB86-F09E-4FED-B7A5-8D3B59B06E94}" type="datetimeFigureOut">
               <a:rPr lang="zh-TW" altLang="en-US" smtClean="0"/>
-              <a:t>2016/6/2</a:t>
+              <a:t>2016/6/3</a:t>
             </a:fld>
             <a:endParaRPr lang="zh-TW" altLang="en-US"/>
           </a:p>
@@ -3495,7 +3496,7 @@
           <a:p>
             <a:fld id="{F446BB86-F09E-4FED-B7A5-8D3B59B06E94}" type="datetimeFigureOut">
               <a:rPr lang="zh-TW" altLang="en-US" smtClean="0"/>
-              <a:t>2016/6/2</a:t>
+              <a:t>2016/6/3</a:t>
             </a:fld>
             <a:endParaRPr lang="zh-TW" altLang="en-US"/>
           </a:p>
@@ -3869,7 +3870,7 @@
           <a:p>
             <a:fld id="{F446BB86-F09E-4FED-B7A5-8D3B59B06E94}" type="datetimeFigureOut">
               <a:rPr lang="zh-TW" altLang="en-US" smtClean="0"/>
-              <a:t>2016/6/2</a:t>
+              <a:t>2016/6/3</a:t>
             </a:fld>
             <a:endParaRPr lang="zh-TW" altLang="en-US"/>
           </a:p>
@@ -3992,7 +3993,7 @@
           <a:p>
             <a:fld id="{F446BB86-F09E-4FED-B7A5-8D3B59B06E94}" type="datetimeFigureOut">
               <a:rPr lang="zh-TW" altLang="en-US" smtClean="0"/>
-              <a:t>2016/6/2</a:t>
+              <a:t>2016/6/3</a:t>
             </a:fld>
             <a:endParaRPr lang="zh-TW" altLang="en-US"/>
           </a:p>
@@ -4087,7 +4088,7 @@
           <a:p>
             <a:fld id="{F446BB86-F09E-4FED-B7A5-8D3B59B06E94}" type="datetimeFigureOut">
               <a:rPr lang="zh-TW" altLang="en-US" smtClean="0"/>
-              <a:t>2016/6/2</a:t>
+              <a:t>2016/6/3</a:t>
             </a:fld>
             <a:endParaRPr lang="zh-TW" altLang="en-US"/>
           </a:p>
@@ -4342,7 +4343,7 @@
           <a:p>
             <a:fld id="{F446BB86-F09E-4FED-B7A5-8D3B59B06E94}" type="datetimeFigureOut">
               <a:rPr lang="zh-TW" altLang="en-US" smtClean="0"/>
-              <a:t>2016/6/2</a:t>
+              <a:t>2016/6/3</a:t>
             </a:fld>
             <a:endParaRPr lang="zh-TW" altLang="en-US"/>
           </a:p>
@@ -4605,7 +4606,7 @@
           <a:p>
             <a:fld id="{F446BB86-F09E-4FED-B7A5-8D3B59B06E94}" type="datetimeFigureOut">
               <a:rPr lang="zh-TW" altLang="en-US" smtClean="0"/>
-              <a:t>2016/6/2</a:t>
+              <a:t>2016/6/3</a:t>
             </a:fld>
             <a:endParaRPr lang="zh-TW" altLang="en-US"/>
           </a:p>
@@ -5348,7 +5349,7 @@
           <a:p>
             <a:fld id="{F446BB86-F09E-4FED-B7A5-8D3B59B06E94}" type="datetimeFigureOut">
               <a:rPr lang="zh-TW" altLang="en-US" smtClean="0"/>
-              <a:t>2016/6/2</a:t>
+              <a:t>2016/6/3</a:t>
             </a:fld>
             <a:endParaRPr lang="zh-TW" altLang="en-US"/>
           </a:p>
@@ -23444,11 +23445,7 @@
             </a:r>
             <a:r>
               <a:rPr lang="en-US" altLang="zh-TW" smtClean="0"/>
-              <a:t>cope</a:t>
-            </a:r>
-            <a:r>
-              <a:rPr lang="en-US" altLang="zh-TW" smtClean="0"/>
-              <a:t>)</a:t>
+              <a:t>cope)</a:t>
             </a:r>
             <a:endParaRPr lang="zh-TW" altLang="en-US"/>
           </a:p>
@@ -23977,8 +23974,20 @@
           <a:lstStyle/>
           <a:p>
             <a:r>
-              <a:rPr lang="zh-TW" altLang="en-US" smtClean="0"/>
-              <a:t>函式範疇 </a:t>
+              <a:rPr lang="en-US" altLang="zh-TW" smtClean="0">
+                <a:solidFill>
+                  <a:srgbClr val="FF0000"/>
+                </a:solidFill>
+              </a:rPr>
+              <a:t>* </a:t>
+            </a:r>
+            <a:r>
+              <a:rPr lang="zh-TW" altLang="en-US" smtClean="0"/>
+              <a:t>函</a:t>
+            </a:r>
+            <a:r>
+              <a:rPr lang="zh-TW" altLang="en-US" smtClean="0"/>
+              <a:t>式範疇 </a:t>
             </a:r>
             <a:r>
               <a:rPr lang="en-US" altLang="zh-TW" smtClean="0"/>
@@ -23998,12 +24007,132 @@
             <p:ph idx="1"/>
           </p:nvPr>
         </p:nvSpPr>
-        <p:spPr/>
+        <p:spPr>
+          <a:xfrm>
+            <a:off x="677334" y="1930400"/>
+            <a:ext cx="8596668" cy="4110962"/>
+          </a:xfrm>
+        </p:spPr>
         <p:txBody>
           <a:bodyPr/>
           <a:lstStyle/>
           <a:p>
-            <a:endParaRPr lang="zh-TW" altLang="en-US"/>
+            <a:r>
+              <a:rPr lang="zh-TW" altLang="en-US" smtClean="0"/>
+              <a:t>在一些類</a:t>
+            </a:r>
+            <a:r>
+              <a:rPr lang="en-US" altLang="zh-TW" smtClean="0"/>
+              <a:t>C</a:t>
+            </a:r>
+            <a:r>
+              <a:rPr lang="zh-TW" altLang="en-US" smtClean="0"/>
+              <a:t> </a:t>
+            </a:r>
+            <a:r>
+              <a:rPr lang="en-US" altLang="zh-TW" smtClean="0"/>
+              <a:t>(C-like) </a:t>
+            </a:r>
+            <a:r>
+              <a:rPr lang="zh-TW" altLang="en-US" smtClean="0"/>
+              <a:t>的語言中，每對大括號 </a:t>
+            </a:r>
+            <a:r>
+              <a:rPr lang="en-US" altLang="zh-TW" smtClean="0"/>
+              <a:t>{ } </a:t>
+            </a:r>
+            <a:r>
+              <a:rPr lang="zh-TW" altLang="en-US" smtClean="0"/>
+              <a:t>的程式碼區塊都有自己的範疇，在宣告變數的區塊之外，你看不到這些變數，這稱為</a:t>
+            </a:r>
+            <a:r>
+              <a:rPr lang="zh-TW" altLang="en-US" smtClean="0">
+                <a:solidFill>
+                  <a:srgbClr val="0070C0"/>
+                </a:solidFill>
+              </a:rPr>
+              <a:t>區塊範疇 </a:t>
+            </a:r>
+            <a:r>
+              <a:rPr lang="en-US" altLang="zh-TW" smtClean="0">
+                <a:solidFill>
+                  <a:srgbClr val="0070C0"/>
+                </a:solidFill>
+              </a:rPr>
+              <a:t>(Block</a:t>
+            </a:r>
+            <a:r>
+              <a:rPr lang="zh-TW" altLang="en-US" smtClean="0">
+                <a:solidFill>
+                  <a:srgbClr val="0070C0"/>
+                </a:solidFill>
+              </a:rPr>
+              <a:t> </a:t>
+            </a:r>
+            <a:r>
+              <a:rPr lang="en-US" altLang="zh-TW" smtClean="0">
+                <a:solidFill>
+                  <a:srgbClr val="0070C0"/>
+                </a:solidFill>
+              </a:rPr>
+              <a:t>Scope)</a:t>
+            </a:r>
+          </a:p>
+          <a:p>
+            <a:endParaRPr lang="en-US" altLang="zh-TW" smtClean="0"/>
+          </a:p>
+          <a:p>
+            <a:r>
+              <a:rPr lang="zh-TW" altLang="en-US" smtClean="0"/>
+              <a:t>不同的是，</a:t>
+            </a:r>
+            <a:r>
+              <a:rPr lang="en-US" altLang="zh-TW" smtClean="0"/>
+              <a:t>Javacript</a:t>
+            </a:r>
+            <a:r>
+              <a:rPr lang="zh-TW" altLang="en-US"/>
+              <a:t> </a:t>
+            </a:r>
+            <a:r>
+              <a:rPr lang="zh-TW" altLang="en-US" smtClean="0"/>
+              <a:t>使用的是函式範疇：</a:t>
+            </a:r>
+            <a:r>
+              <a:rPr lang="zh-TW" altLang="en-US" smtClean="0">
+                <a:solidFill>
+                  <a:srgbClr val="FF0000"/>
+                </a:solidFill>
+              </a:rPr>
+              <a:t>只有在定義變數的函式及其內的任何巢狀函式內，才能看的到這些變數</a:t>
+            </a:r>
+            <a:endParaRPr lang="en-US" altLang="zh-TW" smtClean="0">
+              <a:solidFill>
+                <a:srgbClr val="FF0000"/>
+              </a:solidFill>
+            </a:endParaRPr>
+          </a:p>
+          <a:p>
+            <a:endParaRPr lang="en-US" altLang="zh-TW">
+              <a:solidFill>
+                <a:srgbClr val="FF0000"/>
+              </a:solidFill>
+            </a:endParaRPr>
+          </a:p>
+          <a:p>
+            <a:r>
+              <a:rPr lang="en-US" altLang="zh-TW" smtClean="0">
+                <a:solidFill>
+                  <a:srgbClr val="0070C0"/>
+                </a:solidFill>
+              </a:rPr>
+              <a:t>See testFunctionScope.js</a:t>
+            </a:r>
+            <a:endParaRPr lang="zh-TW" altLang="en-US">
+              <a:solidFill>
+                <a:srgbClr val="0070C0"/>
+              </a:solidFill>
+            </a:endParaRPr>
           </a:p>
         </p:txBody>
       </p:sp>
@@ -24053,6 +24182,442 @@
           <a:lstStyle/>
           <a:p>
             <a:r>
+              <a:rPr lang="zh-TW" altLang="en-US" smtClean="0">
+                <a:solidFill>
+                  <a:srgbClr val="FF0000"/>
+                </a:solidFill>
+              </a:rPr>
+              <a:t>* </a:t>
+            </a:r>
+            <a:r>
+              <a:rPr lang="zh-TW" altLang="en-US" smtClean="0"/>
+              <a:t>變數提升 </a:t>
+            </a:r>
+            <a:r>
+              <a:rPr lang="en-US" altLang="zh-TW" smtClean="0"/>
+              <a:t>(Variable Hoisting)</a:t>
+            </a:r>
+            <a:endParaRPr lang="zh-TW" altLang="en-US"/>
+          </a:p>
+        </p:txBody>
+      </p:sp>
+      <p:sp>
+        <p:nvSpPr>
+          <p:cNvPr id="3" name="內容版面配置區 2"/>
+          <p:cNvSpPr>
+            <a:spLocks noGrp="1"/>
+          </p:cNvSpPr>
+          <p:nvPr>
+            <p:ph idx="1"/>
+          </p:nvPr>
+        </p:nvSpPr>
+        <p:spPr>
+          <a:xfrm>
+            <a:off x="677334" y="1724297"/>
+            <a:ext cx="8596668" cy="4317065"/>
+          </a:xfrm>
+        </p:spPr>
+        <p:txBody>
+          <a:bodyPr/>
+          <a:lstStyle/>
+          <a:p>
+            <a:r>
+              <a:rPr lang="en-US" altLang="zh-TW" smtClean="0"/>
+              <a:t>Javascrip</a:t>
+            </a:r>
+            <a:r>
+              <a:rPr lang="zh-TW" altLang="en-US"/>
+              <a:t> </a:t>
+            </a:r>
+            <a:r>
+              <a:rPr lang="zh-TW" altLang="en-US" smtClean="0"/>
+              <a:t>的函示範疇代表所有在函式內宣告的變數，在整個函式主體中都可見</a:t>
+            </a:r>
+            <a:r>
+              <a:rPr lang="zh-TW" altLang="en-US" smtClean="0"/>
+              <a:t>，這也表示</a:t>
+            </a:r>
+            <a:r>
+              <a:rPr lang="zh-TW" altLang="en-US" smtClean="0">
+                <a:solidFill>
+                  <a:srgbClr val="FF0000"/>
+                </a:solidFill>
+              </a:rPr>
+              <a:t>變數甚至在它們被宣告前就是可見的</a:t>
+            </a:r>
+            <a:r>
+              <a:rPr lang="zh-TW" altLang="en-US" smtClean="0">
+                <a:solidFill>
+                  <a:schemeClr val="tx1"/>
+                </a:solidFill>
+              </a:rPr>
+              <a:t>，這種特色稱為 </a:t>
+            </a:r>
+            <a:r>
+              <a:rPr lang="en-US" altLang="zh-TW" smtClean="0">
+                <a:solidFill>
+                  <a:srgbClr val="FF0000"/>
+                </a:solidFill>
+              </a:rPr>
+              <a:t>Hoisting</a:t>
+            </a:r>
+            <a:r>
+              <a:rPr lang="zh-TW" altLang="en-US" smtClean="0">
+                <a:solidFill>
+                  <a:srgbClr val="FF0000"/>
+                </a:solidFill>
+              </a:rPr>
+              <a:t> </a:t>
+            </a:r>
+            <a:r>
+              <a:rPr lang="en-US" altLang="zh-TW" smtClean="0">
+                <a:solidFill>
+                  <a:srgbClr val="FF0000"/>
+                </a:solidFill>
+              </a:rPr>
+              <a:t>(</a:t>
+            </a:r>
+            <a:r>
+              <a:rPr lang="zh-TW" altLang="en-US" smtClean="0">
+                <a:solidFill>
+                  <a:srgbClr val="FF0000"/>
+                </a:solidFill>
+              </a:rPr>
+              <a:t>提升</a:t>
+            </a:r>
+            <a:r>
+              <a:rPr lang="en-US" altLang="zh-TW" smtClean="0">
+                <a:solidFill>
+                  <a:srgbClr val="FF0000"/>
+                </a:solidFill>
+              </a:rPr>
+              <a:t>)</a:t>
+            </a:r>
+          </a:p>
+          <a:p>
+            <a:pPr lvl="1">
+              <a:buFont typeface="Wingdings" panose="05000000000000000000" pitchFamily="2" charset="2"/>
+              <a:buChar char="p"/>
+            </a:pPr>
+            <a:r>
+              <a:rPr lang="en-US" altLang="zh-TW">
+                <a:solidFill>
+                  <a:srgbClr val="0070C0"/>
+                </a:solidFill>
+              </a:rPr>
+              <a:t>See </a:t>
+            </a:r>
+            <a:r>
+              <a:rPr lang="en-US" altLang="zh-TW" smtClean="0">
+                <a:solidFill>
+                  <a:srgbClr val="0070C0"/>
+                </a:solidFill>
+              </a:rPr>
+              <a:t>testVariableHoisting1.js</a:t>
+            </a:r>
+            <a:endParaRPr lang="zh-TW" altLang="en-US">
+              <a:solidFill>
+                <a:srgbClr val="0070C0"/>
+              </a:solidFill>
+            </a:endParaRPr>
+          </a:p>
+          <a:p>
+            <a:endParaRPr lang="en-US" altLang="zh-TW">
+              <a:solidFill>
+                <a:srgbClr val="FF0000"/>
+              </a:solidFill>
+            </a:endParaRPr>
+          </a:p>
+          <a:p>
+            <a:r>
+              <a:rPr lang="zh-TW" altLang="en-US" smtClean="0">
+                <a:solidFill>
+                  <a:schemeClr val="tx1"/>
+                </a:solidFill>
+              </a:rPr>
+              <a:t>因此特性，</a:t>
+            </a:r>
+            <a:r>
+              <a:rPr lang="en-US" altLang="zh-TW" smtClean="0">
+                <a:solidFill>
+                  <a:schemeClr val="tx1"/>
+                </a:solidFill>
+              </a:rPr>
+              <a:t>Javascript </a:t>
+            </a:r>
+            <a:r>
+              <a:rPr lang="zh-TW" altLang="en-US" smtClean="0">
+                <a:solidFill>
+                  <a:schemeClr val="tx1"/>
+                </a:solidFill>
+              </a:rPr>
+              <a:t>程式碼</a:t>
+            </a:r>
+            <a:r>
+              <a:rPr lang="zh-TW" altLang="en-US">
+                <a:solidFill>
+                  <a:schemeClr val="tx1"/>
+                </a:solidFill>
+              </a:rPr>
+              <a:t>會</a:t>
+            </a:r>
+            <a:r>
+              <a:rPr lang="zh-TW" altLang="en-US" smtClean="0">
+                <a:solidFill>
+                  <a:schemeClr val="tx1"/>
+                </a:solidFill>
+              </a:rPr>
+              <a:t>表現得好像函式中所有的變數宣告</a:t>
+            </a:r>
+            <a:r>
+              <a:rPr lang="zh-TW" altLang="en-US">
+                <a:solidFill>
+                  <a:schemeClr val="tx1"/>
+                </a:solidFill>
+              </a:rPr>
+              <a:t> </a:t>
+            </a:r>
+            <a:r>
+              <a:rPr lang="en-US" altLang="zh-TW" smtClean="0">
+                <a:solidFill>
+                  <a:schemeClr val="tx1"/>
+                </a:solidFill>
+              </a:rPr>
+              <a:t>(</a:t>
+            </a:r>
+            <a:r>
+              <a:rPr lang="zh-TW" altLang="en-US">
+                <a:solidFill>
+                  <a:schemeClr val="tx1"/>
+                </a:solidFill>
+              </a:rPr>
+              <a:t>不</a:t>
+            </a:r>
+            <a:r>
+              <a:rPr lang="zh-TW" altLang="en-US" smtClean="0">
+                <a:solidFill>
+                  <a:schemeClr val="tx1"/>
+                </a:solidFill>
+              </a:rPr>
+              <a:t>包含變數指定</a:t>
+            </a:r>
+            <a:r>
+              <a:rPr lang="en-US" altLang="zh-TW" smtClean="0">
+                <a:solidFill>
+                  <a:schemeClr val="tx1"/>
+                </a:solidFill>
+              </a:rPr>
+              <a:t>)</a:t>
+            </a:r>
+            <a:r>
+              <a:rPr lang="zh-TW" altLang="en-US" smtClean="0">
+                <a:solidFill>
+                  <a:schemeClr val="tx1"/>
+                </a:solidFill>
+              </a:rPr>
+              <a:t> 都會被</a:t>
+            </a:r>
+            <a:r>
+              <a:rPr lang="zh-TW" altLang="en-US" smtClean="0">
+                <a:solidFill>
+                  <a:srgbClr val="FF0000"/>
+                </a:solidFill>
+              </a:rPr>
+              <a:t>提升</a:t>
+            </a:r>
+            <a:r>
+              <a:rPr lang="zh-TW" altLang="en-US" smtClean="0">
+                <a:solidFill>
+                  <a:schemeClr val="tx1"/>
+                </a:solidFill>
+              </a:rPr>
+              <a:t>至該函式的最上方</a:t>
+            </a:r>
+            <a:endParaRPr lang="en-US" altLang="zh-TW" smtClean="0">
+              <a:solidFill>
+                <a:srgbClr val="0070C0"/>
+              </a:solidFill>
+            </a:endParaRPr>
+          </a:p>
+          <a:p>
+            <a:pPr lvl="1">
+              <a:buFont typeface="Wingdings" panose="05000000000000000000" pitchFamily="2" charset="2"/>
+              <a:buChar char="p"/>
+            </a:pPr>
+            <a:r>
+              <a:rPr lang="en-US" altLang="zh-TW">
+                <a:solidFill>
+                  <a:srgbClr val="0070C0"/>
+                </a:solidFill>
+              </a:rPr>
+              <a:t>See testVariableHoisting2.js</a:t>
+            </a:r>
+          </a:p>
+          <a:p>
+            <a:pPr lvl="1">
+              <a:buFont typeface="Wingdings" panose="05000000000000000000" pitchFamily="2" charset="2"/>
+              <a:buChar char="p"/>
+            </a:pPr>
+            <a:endParaRPr lang="en-US" altLang="zh-TW">
+              <a:solidFill>
+                <a:srgbClr val="0070C0"/>
+              </a:solidFill>
+            </a:endParaRPr>
+          </a:p>
+          <a:p>
+            <a:r>
+              <a:rPr lang="zh-TW" altLang="en-US" smtClean="0">
+                <a:solidFill>
+                  <a:schemeClr val="tx1"/>
+                </a:solidFill>
+              </a:rPr>
+              <a:t>如何避免踩雷</a:t>
+            </a:r>
+            <a:r>
+              <a:rPr lang="zh-TW" altLang="en-US" smtClean="0">
+                <a:solidFill>
+                  <a:schemeClr val="tx1"/>
+                </a:solidFill>
+              </a:rPr>
+              <a:t>？</a:t>
+            </a:r>
+            <a:endParaRPr lang="en-US" altLang="zh-TW" smtClean="0">
+              <a:solidFill>
+                <a:schemeClr val="tx1"/>
+              </a:solidFill>
+            </a:endParaRPr>
+          </a:p>
+          <a:p>
+            <a:pPr lvl="1">
+              <a:buFont typeface="Wingdings" panose="05000000000000000000" pitchFamily="2" charset="2"/>
+              <a:buChar char="p"/>
+            </a:pPr>
+            <a:r>
+              <a:rPr lang="zh-TW" altLang="en-US" smtClean="0">
+                <a:solidFill>
+                  <a:srgbClr val="FF0000"/>
+                </a:solidFill>
+              </a:rPr>
+              <a:t>盡量將所有的變數宣告在函式的最上方</a:t>
+            </a:r>
+            <a:r>
+              <a:rPr lang="zh-TW" altLang="en-US">
+                <a:solidFill>
+                  <a:srgbClr val="FF0000"/>
+                </a:solidFill>
+              </a:rPr>
+              <a:t> </a:t>
+            </a:r>
+            <a:r>
+              <a:rPr lang="en-US" altLang="zh-TW" smtClean="0">
+                <a:solidFill>
+                  <a:srgbClr val="FF0000"/>
+                </a:solidFill>
+              </a:rPr>
+              <a:t>(</a:t>
+            </a:r>
+            <a:r>
+              <a:rPr lang="zh-TW" altLang="en-US" smtClean="0">
+                <a:solidFill>
+                  <a:srgbClr val="FF0000"/>
+                </a:solidFill>
+              </a:rPr>
+              <a:t>而且用</a:t>
+            </a:r>
+            <a:r>
+              <a:rPr lang="zh-TW" altLang="en-US">
+                <a:solidFill>
+                  <a:srgbClr val="FF0000"/>
+                </a:solidFill>
+              </a:rPr>
+              <a:t> </a:t>
+            </a:r>
+            <a:r>
+              <a:rPr lang="en-US" altLang="zh-TW" smtClean="0">
+                <a:solidFill>
+                  <a:srgbClr val="FF0000"/>
+                </a:solidFill>
+              </a:rPr>
+              <a:t>var</a:t>
+            </a:r>
+            <a:r>
+              <a:rPr lang="zh-TW" altLang="en-US" smtClean="0">
+                <a:solidFill>
+                  <a:srgbClr val="FF0000"/>
+                </a:solidFill>
+              </a:rPr>
+              <a:t> 宣告</a:t>
+            </a:r>
+            <a:r>
+              <a:rPr lang="en-US" altLang="zh-TW" smtClean="0">
+                <a:solidFill>
+                  <a:srgbClr val="FF0000"/>
+                </a:solidFill>
+              </a:rPr>
+              <a:t>)</a:t>
+            </a:r>
+            <a:r>
+              <a:rPr lang="zh-TW" altLang="en-US" smtClean="0">
+                <a:solidFill>
+                  <a:srgbClr val="FF0000"/>
+                </a:solidFill>
+              </a:rPr>
+              <a:t>，而非靠近被使用處，這可以讓變數更準確的反應其範疇</a:t>
+            </a:r>
+            <a:endParaRPr lang="zh-TW" altLang="en-US">
+              <a:solidFill>
+                <a:srgbClr val="FF0000"/>
+              </a:solidFill>
+            </a:endParaRPr>
+          </a:p>
+        </p:txBody>
+      </p:sp>
+    </p:spTree>
+    <p:extLst>
+      <p:ext uri="{BB962C8B-B14F-4D97-AF65-F5344CB8AC3E}">
+        <p14:creationId xmlns:p14="http://schemas.microsoft.com/office/powerpoint/2010/main" val="3445687616"/>
+      </p:ext>
+    </p:extLst>
+  </p:cSld>
+  <p:clrMapOvr>
+    <a:masterClrMapping/>
+  </p:clrMapOvr>
+</p:sld>
+</file>
+
+<file path=ppt/slides/slide44.xml><?xml version="1.0" encoding="utf-8"?>
+<p:sld xmlns:a="http://schemas.openxmlformats.org/drawingml/2006/main" xmlns:r="http://schemas.openxmlformats.org/officeDocument/2006/relationships" xmlns:p="http://schemas.openxmlformats.org/presentationml/2006/main">
+  <p:cSld>
+    <p:spTree>
+      <p:nvGrpSpPr>
+        <p:cNvPr id="1" name=""/>
+        <p:cNvGrpSpPr/>
+        <p:nvPr/>
+      </p:nvGrpSpPr>
+      <p:grpSpPr>
+        <a:xfrm>
+          <a:off x="0" y="0"/>
+          <a:ext cx="0" cy="0"/>
+          <a:chOff x="0" y="0"/>
+          <a:chExt cx="0" cy="0"/>
+        </a:xfrm>
+      </p:grpSpPr>
+      <p:sp>
+        <p:nvSpPr>
+          <p:cNvPr id="2" name="標題 1"/>
+          <p:cNvSpPr>
+            <a:spLocks noGrp="1"/>
+          </p:cNvSpPr>
+          <p:nvPr>
+            <p:ph type="title"/>
+          </p:nvPr>
+        </p:nvSpPr>
+        <p:spPr/>
+        <p:txBody>
+          <a:bodyPr/>
+          <a:lstStyle/>
+          <a:p>
+            <a:r>
               <a:rPr lang="zh-TW" altLang="en-US" dirty="0" smtClean="0"/>
               <a:t>參考網址</a:t>
             </a:r>
@@ -24232,7 +24797,7 @@
 </p:sld>
 </file>
 
-<file path=ppt/slides/slide44.xml><?xml version="1.0" encoding="utf-8"?>
+<file path=ppt/slides/slide45.xml><?xml version="1.0" encoding="utf-8"?>
 <p:sld xmlns:a="http://schemas.openxmlformats.org/drawingml/2006/main" xmlns:r="http://schemas.openxmlformats.org/officeDocument/2006/relationships" xmlns:p="http://schemas.openxmlformats.org/presentationml/2006/main">
   <p:cSld>
     <p:spTree>

--- a/Part-1-Type-Value-Variable/Web 前端入門(一).pptx
+++ b/Part-1-Type-Value-Variable/Web 前端入門(一).pptx
@@ -6057,7 +6057,7 @@
         <p:spPr>
           <a:xfrm>
             <a:off x="677334" y="1332410"/>
-            <a:ext cx="9415900" cy="5525589"/>
+            <a:ext cx="8919512" cy="5525589"/>
           </a:xfrm>
         </p:spPr>
         <p:txBody>
@@ -6116,7 +6116,11 @@
             </a:r>
             <a:r>
               <a:rPr lang="zh-TW" altLang="en-US" smtClean="0"/>
-              <a:t> 是</a:t>
+              <a:t> </a:t>
+            </a:r>
+            <a:r>
+              <a:rPr lang="zh-TW" altLang="en-US" smtClean="0"/>
+              <a:t>是 </a:t>
             </a:r>
             <a:r>
               <a:rPr lang="en-US" altLang="zh-TW" smtClean="0"/>
@@ -6124,7 +6128,11 @@
             </a:r>
             <a:r>
               <a:rPr lang="zh-TW" altLang="en-US" smtClean="0"/>
-              <a:t> 的</a:t>
+              <a:t> </a:t>
+            </a:r>
+            <a:r>
+              <a:rPr lang="zh-TW" altLang="en-US" smtClean="0"/>
+              <a:t>的</a:t>
             </a:r>
             <a:r>
               <a:rPr lang="zh-TW" altLang="en-US"/>
@@ -6308,7 +6316,11 @@
             </a:r>
             <a:r>
               <a:rPr lang="zh-TW" altLang="en-US" smtClean="0"/>
-              <a:t> 組織發布 </a:t>
+              <a:t> 組織</a:t>
+            </a:r>
+            <a:r>
+              <a:rPr lang="zh-TW" altLang="en-US" smtClean="0"/>
+              <a:t>發布了著名的 </a:t>
             </a:r>
             <a:r>
               <a:rPr lang="en-US" altLang="zh-TW" smtClean="0"/>
@@ -6388,7 +6400,11 @@
             </a:r>
             <a:r>
               <a:rPr lang="zh-TW" altLang="en-US"/>
-              <a:t>的商標，根據一份授權協議，只有</a:t>
+              <a:t>的商標，根據一份授權協議，</a:t>
+            </a:r>
+            <a:r>
+              <a:rPr lang="zh-TW" altLang="en-US" smtClean="0"/>
+              <a:t>只有 </a:t>
             </a:r>
             <a:r>
               <a:rPr lang="en-US" altLang="zh-TW" smtClean="0"/>
@@ -6396,7 +6412,11 @@
             </a:r>
             <a:r>
               <a:rPr lang="zh-TW" altLang="en-US" smtClean="0"/>
-              <a:t> 公司</a:t>
+              <a:t> </a:t>
+            </a:r>
+            <a:r>
+              <a:rPr lang="zh-TW" altLang="en-US" smtClean="0"/>
+              <a:t>公司</a:t>
             </a:r>
             <a:r>
               <a:rPr lang="zh-TW" altLang="en-US"/>
@@ -15967,7 +15987,12 @@
             <p:ph type="title"/>
           </p:nvPr>
         </p:nvSpPr>
-        <p:spPr/>
+        <p:spPr>
+          <a:xfrm>
+            <a:off x="677334" y="298994"/>
+            <a:ext cx="8596668" cy="1320800"/>
+          </a:xfrm>
+        </p:spPr>
         <p:txBody>
           <a:bodyPr/>
           <a:lstStyle/>
@@ -15992,8 +16017,8 @@
         </p:nvSpPr>
         <p:spPr>
           <a:xfrm>
-            <a:off x="677334" y="1619794"/>
-            <a:ext cx="8596668" cy="4659085"/>
+            <a:off x="677334" y="1227909"/>
+            <a:ext cx="8596668" cy="5294811"/>
           </a:xfrm>
         </p:spPr>
         <p:txBody>
@@ -16179,7 +16204,15 @@
                   <a:schemeClr val="tx1"/>
                 </a:solidFill>
               </a:rPr>
-              <a:t>型別</a:t>
+              <a:t>型</a:t>
+            </a:r>
+            <a:r>
+              <a:rPr lang="zh-TW" altLang="en-US" smtClean="0">
+                <a:solidFill>
+                  <a:schemeClr val="tx1"/>
+                </a:solidFill>
+              </a:rPr>
+              <a:t>別</a:t>
             </a:r>
             <a:endParaRPr lang="en-US" altLang="zh-TW" smtClean="0">
               <a:solidFill>
@@ -16188,13 +16221,61 @@
             </a:endParaRPr>
           </a:p>
           <a:p>
-            <a:r>
-              <a:rPr lang="zh-TW" altLang="en-US" smtClean="0"/>
-              <a:t>回家</a:t>
-            </a:r>
+            <a:pPr lvl="1">
+              <a:buFont typeface="Wingdings" panose="05000000000000000000" pitchFamily="2" charset="2"/>
+              <a:buChar char="p"/>
+            </a:pPr>
             <a:r>
               <a:rPr lang="zh-TW" altLang="en-US"/>
-              <a:t>作業</a:t>
+              <a:t>變數範疇 </a:t>
+            </a:r>
+            <a:r>
+              <a:rPr lang="en-US" altLang="zh-TW"/>
+              <a:t>(Variable </a:t>
+            </a:r>
+            <a:r>
+              <a:rPr lang="en-US" altLang="zh-TW"/>
+              <a:t>Scope</a:t>
+            </a:r>
+            <a:r>
+              <a:rPr lang="en-US" altLang="zh-TW" smtClean="0"/>
+              <a:t>)</a:t>
+            </a:r>
+          </a:p>
+          <a:p>
+            <a:pPr lvl="1">
+              <a:buFont typeface="Wingdings" panose="05000000000000000000" pitchFamily="2" charset="2"/>
+              <a:buChar char="p"/>
+            </a:pPr>
+            <a:r>
+              <a:rPr lang="zh-TW" altLang="en-US" smtClean="0">
+                <a:solidFill>
+                  <a:schemeClr val="tx1"/>
+                </a:solidFill>
+              </a:rPr>
+              <a:t>函式範疇 </a:t>
+            </a:r>
+            <a:r>
+              <a:rPr lang="en-US" altLang="zh-TW" smtClean="0">
+                <a:solidFill>
+                  <a:schemeClr val="tx1"/>
+                </a:solidFill>
+              </a:rPr>
+              <a:t>(Function Scope)</a:t>
+            </a:r>
+          </a:p>
+          <a:p>
+            <a:pPr lvl="1">
+              <a:buFont typeface="Wingdings" panose="05000000000000000000" pitchFamily="2" charset="2"/>
+              <a:buChar char="p"/>
+            </a:pPr>
+            <a:r>
+              <a:rPr lang="zh-TW" altLang="en-US" smtClean="0"/>
+              <a:t>變數提升 </a:t>
+            </a:r>
+            <a:r>
+              <a:rPr lang="en-US" altLang="zh-TW" smtClean="0"/>
+              <a:t>(Variable Hoisting)</a:t>
             </a:r>
             <a:endParaRPr lang="en-US" altLang="zh-TW" smtClean="0"/>
           </a:p>
@@ -16838,7 +16919,7 @@
                   <a:schemeClr val="tx1"/>
                 </a:solidFill>
               </a:rPr>
-              <a:t>簡稱</a:t>
+              <a:t>簡稱字串</a:t>
             </a:r>
             <a:r>
               <a:rPr lang="en-US" altLang="zh-TW" smtClean="0">
@@ -16846,24 +16927,13 @@
                   <a:schemeClr val="tx1"/>
                 </a:solidFill>
               </a:rPr>
-              <a:t>”</a:t>
-            </a:r>
-            <a:r>
-              <a:rPr lang="zh-TW" altLang="en-US" smtClean="0">
-                <a:solidFill>
-                  <a:schemeClr val="tx1"/>
-                </a:solidFill>
-              </a:rPr>
-              <a:t>字串</a:t>
-            </a:r>
-            <a:r>
-              <a:rPr lang="en-US" altLang="zh-TW" smtClean="0">
-                <a:solidFill>
-                  <a:schemeClr val="tx1"/>
-                </a:solidFill>
-              </a:rPr>
-              <a:t>”)</a:t>
-            </a:r>
+              <a:t>)</a:t>
+            </a:r>
+            <a:endParaRPr lang="en-US" altLang="zh-TW" smtClean="0">
+              <a:solidFill>
+                <a:schemeClr val="tx1"/>
+              </a:solidFill>
+            </a:endParaRPr>
           </a:p>
           <a:p>
             <a:pPr lvl="1">
@@ -22877,7 +22947,12 @@
             <p:ph type="title"/>
           </p:nvPr>
         </p:nvSpPr>
-        <p:spPr/>
+        <p:spPr>
+          <a:xfrm>
+            <a:off x="677334" y="348343"/>
+            <a:ext cx="8596668" cy="1320800"/>
+          </a:xfrm>
+        </p:spPr>
         <p:txBody>
           <a:bodyPr/>
           <a:lstStyle/>
@@ -22902,8 +22977,8 @@
         </p:nvSpPr>
         <p:spPr>
           <a:xfrm>
-            <a:off x="677334" y="1489166"/>
-            <a:ext cx="8596668" cy="5120639"/>
+            <a:off x="677334" y="1371601"/>
+            <a:ext cx="8596668" cy="5486399"/>
           </a:xfrm>
         </p:spPr>
         <p:txBody>
@@ -23114,7 +23189,7 @@
               <a:rPr lang="en-US" altLang="zh-TW" smtClean="0"/>
               <a:t> </a:t>
             </a:r>
-            <a:endParaRPr lang="zh-TW" altLang="en-US"/>
+            <a:endParaRPr lang="en-US" altLang="zh-TW"/>
           </a:p>
         </p:txBody>
       </p:sp>
@@ -23983,15 +24058,15 @@
             </a:r>
             <a:r>
               <a:rPr lang="zh-TW" altLang="en-US" smtClean="0"/>
-              <a:t>函</a:t>
-            </a:r>
-            <a:r>
-              <a:rPr lang="zh-TW" altLang="en-US" smtClean="0"/>
-              <a:t>式範疇 </a:t>
-            </a:r>
-            <a:r>
-              <a:rPr lang="en-US" altLang="zh-TW" smtClean="0"/>
-              <a:t>(function scope)</a:t>
+              <a:t>函式範疇 </a:t>
+            </a:r>
+            <a:r>
+              <a:rPr lang="en-US" altLang="zh-TW" smtClean="0"/>
+              <a:t>(Function Scope</a:t>
+            </a:r>
+            <a:r>
+              <a:rPr lang="en-US" altLang="zh-TW" smtClean="0"/>
+              <a:t>)</a:t>
             </a:r>
             <a:endParaRPr lang="zh-TW" altLang="en-US"/>
           </a:p>
@@ -24176,7 +24251,12 @@
             <p:ph type="title"/>
           </p:nvPr>
         </p:nvSpPr>
-        <p:spPr/>
+        <p:spPr>
+          <a:xfrm>
+            <a:off x="677334" y="403497"/>
+            <a:ext cx="8596668" cy="1320800"/>
+          </a:xfrm>
+        </p:spPr>
         <p:txBody>
           <a:bodyPr/>
           <a:lstStyle/>
@@ -24213,12 +24293,14 @@
         </p:nvSpPr>
         <p:spPr>
           <a:xfrm>
-            <a:off x="677334" y="1724297"/>
-            <a:ext cx="8596668" cy="4317065"/>
+            <a:off x="677334" y="1332411"/>
+            <a:ext cx="8754049" cy="5146766"/>
           </a:xfrm>
         </p:spPr>
         <p:txBody>
-          <a:bodyPr/>
+          <a:bodyPr>
+            <a:normAutofit/>
+          </a:bodyPr>
           <a:lstStyle/>
           <a:p>
             <a:r>
@@ -24231,11 +24313,7 @@
             </a:r>
             <a:r>
               <a:rPr lang="zh-TW" altLang="en-US" smtClean="0"/>
-              <a:t>的函示範疇代表所有在函式內宣告的變數，在整個函式主體中都可見</a:t>
-            </a:r>
-            <a:r>
-              <a:rPr lang="zh-TW" altLang="en-US" smtClean="0"/>
-              <a:t>，這也表示</a:t>
+              <a:t>的函示範疇代表所有在函式內宣告的變數，在整個函式主體中都可見，這也表示</a:t>
             </a:r>
             <a:r>
               <a:rPr lang="zh-TW" altLang="en-US" smtClean="0">
@@ -24450,7 +24528,15 @@
                   <a:srgbClr val="0070C0"/>
                 </a:solidFill>
               </a:rPr>
-              <a:t>See testVariableHoisting2.js</a:t>
+              <a:t>See </a:t>
+            </a:r>
+            <a:r>
+              <a:rPr lang="en-US" altLang="zh-TW" smtClean="0">
+                <a:solidFill>
+                  <a:srgbClr val="0070C0"/>
+                </a:solidFill>
+              </a:rPr>
+              <a:t>testVariableHoisting2.js</a:t>
             </a:r>
           </a:p>
           <a:p>
@@ -24468,18 +24554,84 @@
             <a:r>
               <a:rPr lang="zh-TW" altLang="en-US" smtClean="0">
                 <a:solidFill>
+                  <a:srgbClr val="FF0000"/>
+                </a:solidFill>
+              </a:rPr>
+              <a:t>宣告變數時如沒加上 </a:t>
+            </a:r>
+            <a:r>
+              <a:rPr lang="en-US" altLang="zh-TW">
+                <a:solidFill>
+                  <a:srgbClr val="FF0000"/>
+                </a:solidFill>
+              </a:rPr>
+              <a:t>var</a:t>
+            </a:r>
+            <a:r>
+              <a:rPr lang="zh-TW" altLang="en-US" smtClean="0">
+                <a:solidFill>
+                  <a:srgbClr val="FF0000"/>
+                </a:solidFill>
+              </a:rPr>
+              <a:t> 關鍵字，會宣告成一個全</a:t>
+            </a:r>
+            <a:r>
+              <a:rPr lang="zh-TW" altLang="en-US">
+                <a:solidFill>
+                  <a:srgbClr val="FF0000"/>
+                </a:solidFill>
+              </a:rPr>
+              <a:t>域變數</a:t>
+            </a:r>
+            <a:endParaRPr lang="en-US" altLang="zh-TW">
+              <a:solidFill>
+                <a:srgbClr val="FF0000"/>
+              </a:solidFill>
+            </a:endParaRPr>
+          </a:p>
+          <a:p>
+            <a:pPr lvl="1"/>
+            <a:r>
+              <a:rPr lang="en-US" altLang="zh-TW">
+                <a:solidFill>
+                  <a:srgbClr val="0070C0"/>
+                </a:solidFill>
+              </a:rPr>
+              <a:t>See </a:t>
+            </a:r>
+            <a:r>
+              <a:rPr lang="en-US" altLang="zh-TW" smtClean="0">
+                <a:solidFill>
+                  <a:srgbClr val="0070C0"/>
+                </a:solidFill>
+              </a:rPr>
+              <a:t>testVariableHoisting3.js</a:t>
+            </a:r>
+            <a:endParaRPr lang="en-US" altLang="zh-TW">
+              <a:solidFill>
+                <a:srgbClr val="0070C0"/>
+              </a:solidFill>
+            </a:endParaRPr>
+          </a:p>
+          <a:p>
+            <a:pPr lvl="1">
+              <a:buFont typeface="Wingdings" panose="05000000000000000000" pitchFamily="2" charset="2"/>
+              <a:buChar char="p"/>
+            </a:pPr>
+            <a:endParaRPr lang="en-US" altLang="zh-TW">
+              <a:solidFill>
+                <a:srgbClr val="0070C0"/>
+              </a:solidFill>
+            </a:endParaRPr>
+          </a:p>
+          <a:p>
+            <a:r>
+              <a:rPr lang="zh-TW" altLang="en-US" smtClean="0">
+                <a:solidFill>
                   <a:schemeClr val="tx1"/>
                 </a:solidFill>
               </a:rPr>
-              <a:t>如何避免踩雷</a:t>
-            </a:r>
-            <a:r>
-              <a:rPr lang="zh-TW" altLang="en-US" smtClean="0">
-                <a:solidFill>
-                  <a:schemeClr val="tx1"/>
-                </a:solidFill>
-              </a:rPr>
-              <a:t>？</a:t>
+              <a:t>如何避免踩雷？</a:t>
             </a:r>
             <a:endParaRPr lang="en-US" altLang="zh-TW" smtClean="0">
               <a:solidFill>
@@ -25176,7 +25328,12 @@
             <p:ph idx="1"/>
           </p:nvPr>
         </p:nvSpPr>
-        <p:spPr/>
+        <p:spPr>
+          <a:xfrm>
+            <a:off x="677334" y="1663337"/>
+            <a:ext cx="10295466" cy="4493623"/>
+          </a:xfrm>
+        </p:spPr>
         <p:txBody>
           <a:bodyPr>
             <a:normAutofit/>
@@ -25284,24 +25441,17 @@
             <a:endParaRPr lang="en-US" altLang="zh-TW" smtClean="0"/>
           </a:p>
           <a:p>
-            <a:pPr marL="0" indent="0">
-              <a:buNone/>
+            <a:pPr lvl="1">
+              <a:buFont typeface="Wingdings" panose="05000000000000000000" pitchFamily="2" charset="2"/>
+              <a:buChar char="p"/>
             </a:pPr>
             <a:r>
-              <a:rPr lang="zh-TW" altLang="en-US"/>
-              <a:t> </a:t>
-            </a:r>
-            <a:r>
-              <a:rPr lang="zh-TW" altLang="en-US" smtClean="0"/>
-              <a:t>    </a:t>
-            </a:r>
-            <a:r>
-              <a:rPr lang="en-US" altLang="zh-TW" smtClean="0"/>
-              <a:t>(</a:t>
-            </a:r>
-            <a:r>
-              <a:rPr lang="zh-TW" altLang="en-US" smtClean="0"/>
-              <a:t> 需保留 </a:t>
+              <a:rPr lang="zh-TW" altLang="en-US" smtClean="0"/>
+              <a:t>需</a:t>
+            </a:r>
+            <a:r>
+              <a:rPr lang="zh-TW" altLang="en-US" smtClean="0"/>
+              <a:t>保留 </a:t>
             </a:r>
             <a:r>
               <a:rPr lang="en-US" altLang="zh-TW" smtClean="0"/>
@@ -25317,11 +25467,26 @@
             </a:r>
             <a:r>
               <a:rPr lang="zh-TW" altLang="en-US" smtClean="0"/>
-              <a:t> 工作區路徑</a:t>
-            </a:r>
-            <a:r>
-              <a:rPr lang="en-US" altLang="zh-TW" smtClean="0"/>
-              <a:t>)</a:t>
+              <a:t> 工作區</a:t>
+            </a:r>
+            <a:r>
+              <a:rPr lang="zh-TW" altLang="en-US" smtClean="0"/>
+              <a:t>路徑</a:t>
+            </a:r>
+            <a:endParaRPr lang="en-US" altLang="zh-TW" smtClean="0"/>
+          </a:p>
+          <a:p>
+            <a:pPr lvl="1">
+              <a:buFont typeface="Wingdings" panose="05000000000000000000" pitchFamily="2" charset="2"/>
+              <a:buChar char="p"/>
+            </a:pPr>
+            <a:r>
+              <a:rPr lang="en-US" altLang="zh-TW" smtClean="0"/>
+              <a:t>Eg</a:t>
+            </a:r>
+            <a:r>
+              <a:rPr lang="en-US" altLang="zh-TW"/>
+              <a:t>. "program": "${workspaceRoot}/Part-1-Type-Value-Variable/testVariableHoisting2.js"</a:t>
             </a:r>
             <a:endParaRPr lang="zh-TW" altLang="en-US"/>
           </a:p>
@@ -25343,7 +25508,7 @@
         </p:blipFill>
         <p:spPr>
           <a:xfrm>
-            <a:off x="1076523" y="3364196"/>
+            <a:off x="1111358" y="2858743"/>
             <a:ext cx="5813438" cy="1080933"/>
           </a:xfrm>
           <a:prstGeom prst="rect">
@@ -25367,7 +25532,7 @@
         </p:blipFill>
         <p:spPr>
           <a:xfrm>
-            <a:off x="3905679" y="2164258"/>
+            <a:off x="3948407" y="1663337"/>
             <a:ext cx="339863" cy="348400"/>
           </a:xfrm>
           <a:prstGeom prst="rect">
@@ -25391,7 +25556,7 @@
         </p:blipFill>
         <p:spPr>
           <a:xfrm>
-            <a:off x="3532387" y="2615734"/>
+            <a:off x="3541095" y="2114993"/>
             <a:ext cx="250425" cy="268000"/>
           </a:xfrm>
           <a:prstGeom prst="rect">
@@ -25439,7 +25604,12 @@
             <p:ph type="title"/>
           </p:nvPr>
         </p:nvSpPr>
-        <p:spPr/>
+        <p:spPr>
+          <a:xfrm>
+            <a:off x="677333" y="383176"/>
+            <a:ext cx="8596668" cy="1320800"/>
+          </a:xfrm>
+        </p:spPr>
         <p:txBody>
           <a:bodyPr/>
           <a:lstStyle/>
@@ -25496,497 +25666,605 @@
         </p:nvSpPr>
         <p:spPr>
           <a:xfrm>
-            <a:off x="677333" y="1375954"/>
-            <a:ext cx="9729409" cy="5303519"/>
+            <a:off x="677333" y="1254034"/>
+            <a:ext cx="9084976" cy="5199017"/>
           </a:xfrm>
         </p:spPr>
         <p:txBody>
           <a:bodyPr>
-            <a:normAutofit lnSpcReduction="10000"/>
+            <a:normAutofit/>
           </a:bodyPr>
           <a:lstStyle/>
           <a:p>
             <a:r>
-              <a:rPr lang="en-US" altLang="zh-TW"/>
-              <a:t>1994</a:t>
-            </a:r>
-            <a:r>
-              <a:rPr lang="zh-TW" altLang="en-US"/>
-              <a:t>年</a:t>
-            </a:r>
-            <a:r>
-              <a:rPr lang="en-US" altLang="zh-TW"/>
-              <a:t>10</a:t>
-            </a:r>
-            <a:r>
-              <a:rPr lang="zh-TW" altLang="en-US"/>
-              <a:t>月，</a:t>
-            </a:r>
-            <a:r>
-              <a:rPr lang="en-US" altLang="zh-TW"/>
-              <a:t>NCSA</a:t>
-            </a:r>
-            <a:r>
-              <a:rPr lang="zh-TW" altLang="en-US"/>
-              <a:t>的一個</a:t>
-            </a:r>
-            <a:r>
-              <a:rPr lang="zh-TW" altLang="en-US" smtClean="0"/>
-              <a:t>主要程式設計員</a:t>
-            </a:r>
-            <a:r>
-              <a:rPr lang="en-US" altLang="zh-TW"/>
-              <a:t>Marc Andreessen</a:t>
-            </a:r>
-            <a:r>
-              <a:rPr lang="zh-TW" altLang="en-US"/>
-              <a:t>聯合風險投資家</a:t>
-            </a:r>
-            <a:r>
-              <a:rPr lang="en-US" altLang="zh-TW"/>
-              <a:t>Jim Clark</a:t>
-            </a:r>
-            <a:r>
-              <a:rPr lang="zh-TW" altLang="en-US"/>
-              <a:t>，成立了</a:t>
-            </a:r>
-            <a:r>
-              <a:rPr lang="en-US" altLang="zh-TW"/>
-              <a:t>Mosaic</a:t>
-            </a:r>
-            <a:r>
-              <a:rPr lang="zh-TW" altLang="en-US" smtClean="0"/>
-              <a:t>通訊公司</a:t>
-            </a:r>
-            <a:r>
-              <a:rPr lang="zh-TW" altLang="en-US"/>
+              <a:rPr lang="en-US" altLang="zh-TW" sz="1600" smtClean="0"/>
+              <a:t>1994 </a:t>
+            </a:r>
+            <a:r>
+              <a:rPr lang="zh-TW" altLang="en-US" sz="1600" smtClean="0"/>
+              <a:t>年 </a:t>
+            </a:r>
+            <a:r>
+              <a:rPr lang="en-US" altLang="zh-TW" sz="1600" smtClean="0"/>
+              <a:t>10 </a:t>
+            </a:r>
+            <a:r>
+              <a:rPr lang="zh-TW" altLang="en-US" sz="1600" smtClean="0"/>
+              <a:t>月</a:t>
+            </a:r>
+            <a:r>
+              <a:rPr lang="zh-TW" altLang="en-US" sz="1600"/>
+              <a:t>，</a:t>
+            </a:r>
+            <a:r>
+              <a:rPr lang="en-US" altLang="zh-TW" sz="1600" smtClean="0"/>
+              <a:t>NCSA </a:t>
+            </a:r>
+            <a:r>
+              <a:rPr lang="zh-TW" altLang="en-US" sz="1600" smtClean="0"/>
+              <a:t>的</a:t>
+            </a:r>
+            <a:r>
+              <a:rPr lang="zh-TW" altLang="en-US" sz="1600"/>
+              <a:t>一個</a:t>
+            </a:r>
+            <a:r>
+              <a:rPr lang="zh-TW" altLang="en-US" sz="1600" smtClean="0"/>
+              <a:t>主要程式設計</a:t>
+            </a:r>
+            <a:r>
+              <a:rPr lang="zh-TW" altLang="en-US" sz="1600" smtClean="0"/>
+              <a:t>員 </a:t>
+            </a:r>
+            <a:r>
+              <a:rPr lang="en-US" altLang="zh-TW" sz="1600" smtClean="0"/>
+              <a:t>Marc Andreessen </a:t>
+            </a:r>
+            <a:r>
+              <a:rPr lang="zh-TW" altLang="en-US" sz="1600" smtClean="0"/>
+              <a:t>聯合</a:t>
+            </a:r>
+            <a:r>
+              <a:rPr lang="zh-TW" altLang="en-US" sz="1600"/>
+              <a:t>風險投資</a:t>
+            </a:r>
+            <a:r>
+              <a:rPr lang="zh-TW" altLang="en-US" sz="1600" smtClean="0"/>
+              <a:t>家 </a:t>
+            </a:r>
+            <a:r>
+              <a:rPr lang="en-US" altLang="zh-TW" sz="1600" smtClean="0"/>
+              <a:t>Jim </a:t>
+            </a:r>
+            <a:r>
+              <a:rPr lang="en-US" altLang="zh-TW" sz="1600"/>
+              <a:t>Clark</a:t>
+            </a:r>
+            <a:r>
+              <a:rPr lang="zh-TW" altLang="en-US" sz="1600"/>
+              <a:t>，成立</a:t>
+            </a:r>
+            <a:r>
+              <a:rPr lang="zh-TW" altLang="en-US" sz="1600" smtClean="0"/>
+              <a:t>了 </a:t>
+            </a:r>
+            <a:r>
+              <a:rPr lang="en-US" altLang="zh-TW" sz="1600" smtClean="0"/>
+              <a:t>Mosaic </a:t>
+            </a:r>
+            <a:r>
+              <a:rPr lang="zh-TW" altLang="en-US" sz="1600" smtClean="0"/>
+              <a:t>通訊</a:t>
+            </a:r>
+            <a:r>
+              <a:rPr lang="zh-TW" altLang="en-US" sz="1600" smtClean="0"/>
+              <a:t>公司</a:t>
+            </a:r>
+            <a:r>
+              <a:rPr lang="zh-TW" altLang="en-US" sz="1600"/>
               <a:t>（</a:t>
             </a:r>
             <a:r>
-              <a:rPr lang="en-US" altLang="zh-TW"/>
+              <a:rPr lang="en-US" altLang="zh-TW" sz="1600"/>
               <a:t>Mosaic Communications</a:t>
             </a:r>
             <a:r>
-              <a:rPr lang="zh-TW" altLang="en-US"/>
-              <a:t>），不久後改名為</a:t>
-            </a:r>
-            <a:r>
-              <a:rPr lang="en-US" altLang="zh-TW"/>
+              <a:rPr lang="zh-TW" altLang="en-US" sz="1600"/>
+              <a:t>），不久後改名</a:t>
+            </a:r>
+            <a:r>
+              <a:rPr lang="zh-TW" altLang="en-US" sz="1600" smtClean="0"/>
+              <a:t>為 </a:t>
+            </a:r>
+            <a:r>
+              <a:rPr lang="en-US" altLang="zh-TW" sz="1600" smtClean="0"/>
               <a:t>Netscape</a:t>
             </a:r>
             <a:r>
-              <a:rPr lang="zh-TW" altLang="en-US"/>
-              <a:t>。這家公司的方向，就是在</a:t>
-            </a:r>
-            <a:r>
-              <a:rPr lang="en-US" altLang="zh-TW"/>
-              <a:t>Mosaic</a:t>
-            </a:r>
-            <a:r>
-              <a:rPr lang="zh-TW" altLang="en-US"/>
-              <a:t>的基礎上，</a:t>
-            </a:r>
-            <a:r>
-              <a:rPr lang="zh-TW" altLang="en-US" smtClean="0"/>
+              <a:rPr lang="zh-TW" altLang="en-US" sz="1600"/>
+              <a:t>。這家公司的方向，就是</a:t>
+            </a:r>
+            <a:r>
+              <a:rPr lang="zh-TW" altLang="en-US" sz="1600" smtClean="0"/>
+              <a:t>在 </a:t>
+            </a:r>
+            <a:r>
+              <a:rPr lang="en-US" altLang="zh-TW" sz="1600" smtClean="0"/>
+              <a:t>Mosaic </a:t>
+            </a:r>
+            <a:r>
+              <a:rPr lang="zh-TW" altLang="en-US" sz="1600" smtClean="0"/>
+              <a:t>的</a:t>
+            </a:r>
+            <a:r>
+              <a:rPr lang="zh-TW" altLang="en-US" sz="1600"/>
+              <a:t>基礎上，</a:t>
+            </a:r>
+            <a:r>
+              <a:rPr lang="zh-TW" altLang="en-US" sz="1600" smtClean="0"/>
               <a:t>開發面向</a:t>
             </a:r>
             <a:r>
-              <a:rPr lang="zh-TW" altLang="en-US"/>
-              <a:t>普通用戶的新一代的瀏覽器</a:t>
-            </a:r>
-            <a:r>
-              <a:rPr lang="en-US" altLang="zh-TW"/>
-              <a:t>Netscape Navigator</a:t>
-            </a:r>
-            <a:r>
-              <a:rPr lang="zh-TW" altLang="en-US"/>
+              <a:rPr lang="zh-TW" altLang="en-US" sz="1600"/>
+              <a:t>普通用戶的新一代的</a:t>
+            </a:r>
+            <a:r>
+              <a:rPr lang="zh-TW" altLang="en-US" sz="1600" smtClean="0"/>
+              <a:t>瀏覽器 </a:t>
+            </a:r>
+            <a:r>
+              <a:rPr lang="en-US" altLang="zh-TW" sz="1600" smtClean="0"/>
+              <a:t>Netscape </a:t>
+            </a:r>
+            <a:r>
+              <a:rPr lang="en-US" altLang="zh-TW" sz="1600"/>
+              <a:t>Navigator</a:t>
+            </a:r>
+            <a:r>
+              <a:rPr lang="zh-TW" altLang="en-US" sz="1600"/>
               <a:t>。</a:t>
             </a:r>
           </a:p>
           <a:p>
             <a:r>
-              <a:rPr lang="en-US" altLang="zh-TW"/>
-              <a:t>1994</a:t>
-            </a:r>
-            <a:r>
-              <a:rPr lang="zh-TW" altLang="en-US"/>
-              <a:t>年</a:t>
-            </a:r>
-            <a:r>
-              <a:rPr lang="en-US" altLang="zh-TW"/>
-              <a:t>12</a:t>
-            </a:r>
-            <a:r>
-              <a:rPr lang="zh-TW" altLang="en-US"/>
-              <a:t>月，</a:t>
-            </a:r>
-            <a:r>
-              <a:rPr lang="en-US" altLang="zh-TW"/>
+              <a:rPr lang="en-US" altLang="zh-TW" sz="1600" smtClean="0"/>
+              <a:t>1994 </a:t>
+            </a:r>
+            <a:r>
+              <a:rPr lang="zh-TW" altLang="en-US" sz="1600" smtClean="0"/>
+              <a:t>年 </a:t>
+            </a:r>
+            <a:r>
+              <a:rPr lang="en-US" altLang="zh-TW" sz="1600" smtClean="0"/>
+              <a:t>12 </a:t>
+            </a:r>
+            <a:r>
+              <a:rPr lang="zh-TW" altLang="en-US" sz="1600" smtClean="0"/>
+              <a:t>月</a:t>
+            </a:r>
+            <a:r>
+              <a:rPr lang="zh-TW" altLang="en-US" sz="1600"/>
+              <a:t>，</a:t>
+            </a:r>
+            <a:r>
+              <a:rPr lang="en-US" altLang="zh-TW" sz="1600" smtClean="0"/>
+              <a:t>Navigator </a:t>
+            </a:r>
+            <a:r>
+              <a:rPr lang="zh-TW" altLang="en-US" sz="1600" smtClean="0"/>
+              <a:t>發布</a:t>
+            </a:r>
+            <a:r>
+              <a:rPr lang="zh-TW" altLang="en-US" sz="1600"/>
+              <a:t>了</a:t>
+            </a:r>
+            <a:r>
+              <a:rPr lang="en-US" altLang="zh-TW" sz="1600"/>
+              <a:t>1.0</a:t>
+            </a:r>
+            <a:r>
+              <a:rPr lang="zh-TW" altLang="en-US" sz="1600"/>
+              <a:t>版，</a:t>
+            </a:r>
+            <a:r>
+              <a:rPr lang="zh-TW" altLang="en-US" sz="1600" smtClean="0"/>
+              <a:t>市場</a:t>
+            </a:r>
+            <a:r>
+              <a:rPr lang="zh-TW" altLang="en-US" sz="1600"/>
+              <a:t>占有率</a:t>
+            </a:r>
+            <a:r>
+              <a:rPr lang="zh-TW" altLang="en-US" sz="1600" smtClean="0"/>
+              <a:t>一舉</a:t>
+            </a:r>
+            <a:r>
+              <a:rPr lang="zh-TW" altLang="en-US" sz="1600" smtClean="0"/>
+              <a:t>超過 </a:t>
+            </a:r>
+            <a:r>
+              <a:rPr lang="en-US" altLang="zh-TW" sz="1600" smtClean="0"/>
+              <a:t>90</a:t>
+            </a:r>
+            <a:r>
+              <a:rPr lang="en-US" altLang="zh-TW" sz="1600"/>
+              <a:t>%</a:t>
+            </a:r>
+            <a:r>
+              <a:rPr lang="zh-TW" altLang="en-US" sz="1600"/>
+              <a:t>。</a:t>
+            </a:r>
+          </a:p>
+          <a:p>
+            <a:r>
+              <a:rPr lang="en-US" altLang="zh-TW" sz="1600"/>
+              <a:t>Netscape</a:t>
+            </a:r>
+            <a:r>
+              <a:rPr lang="zh-TW" altLang="en-US" sz="1600"/>
+              <a:t>公司很快發現，</a:t>
+            </a:r>
+            <a:r>
+              <a:rPr lang="en-US" altLang="zh-TW" sz="1600" smtClean="0">
+                <a:solidFill>
+                  <a:srgbClr val="00B0F0"/>
+                </a:solidFill>
+              </a:rPr>
               <a:t>Navigator</a:t>
             </a:r>
             <a:r>
-              <a:rPr lang="zh-TW" altLang="en-US"/>
-              <a:t>發布了</a:t>
-            </a:r>
-            <a:r>
-              <a:rPr lang="en-US" altLang="zh-TW"/>
-              <a:t>1.0</a:t>
-            </a:r>
-            <a:r>
-              <a:rPr lang="zh-TW" altLang="en-US"/>
-              <a:t>版，</a:t>
-            </a:r>
-            <a:r>
-              <a:rPr lang="zh-TW" altLang="en-US" smtClean="0"/>
-              <a:t>市場</a:t>
-            </a:r>
-            <a:r>
-              <a:rPr lang="zh-TW" altLang="en-US"/>
-              <a:t>占有率</a:t>
-            </a:r>
-            <a:r>
-              <a:rPr lang="zh-TW" altLang="en-US" smtClean="0"/>
-              <a:t>一舉</a:t>
-            </a:r>
-            <a:r>
-              <a:rPr lang="zh-TW" altLang="en-US"/>
-              <a:t>超過</a:t>
-            </a:r>
-            <a:r>
-              <a:rPr lang="en-US" altLang="zh-TW"/>
-              <a:t>90%</a:t>
-            </a:r>
-            <a:r>
-              <a:rPr lang="zh-TW" altLang="en-US"/>
+              <a:rPr lang="zh-TW" altLang="en-US" sz="1600" smtClean="0">
+                <a:solidFill>
+                  <a:srgbClr val="00B0F0"/>
+                </a:solidFill>
+              </a:rPr>
+              <a:t> 瀏覽器</a:t>
+            </a:r>
+            <a:r>
+              <a:rPr lang="zh-TW" altLang="en-US" sz="1600">
+                <a:solidFill>
+                  <a:srgbClr val="00B0F0"/>
+                </a:solidFill>
+              </a:rPr>
+              <a:t>需要一種可以嵌入網頁的</a:t>
+            </a:r>
+            <a:r>
+              <a:rPr lang="zh-TW" altLang="en-US" sz="1600">
+                <a:solidFill>
+                  <a:srgbClr val="FF0000"/>
+                </a:solidFill>
+              </a:rPr>
+              <a:t>腳本語言</a:t>
+            </a:r>
+            <a:r>
+              <a:rPr lang="zh-TW" altLang="en-US" sz="1600">
+                <a:solidFill>
+                  <a:srgbClr val="00B0F0"/>
+                </a:solidFill>
+              </a:rPr>
+              <a:t>，用來控制瀏覽器行為</a:t>
+            </a:r>
+            <a:r>
+              <a:rPr lang="zh-TW" altLang="en-US" sz="1600"/>
+              <a:t>。當時，網速很慢而且上網費很貴，有些操作不宜在服務器端完成。比如，如果用戶忘記填寫“用戶名”，就點了“發送”按鈕，到服務器再發現這一點就有點太晚了，最好能在用戶發出數據之前，就告訴用戶“請填寫用戶名”。這就需要在網頁中嵌入小程序，讓瀏覽器檢查每一欄是否都填寫了。</a:t>
+            </a:r>
+          </a:p>
+          <a:p>
+            <a:r>
+              <a:rPr lang="zh-TW" altLang="en-US" sz="1600"/>
+              <a:t>管理層對這種瀏覽器腳本語言的設想是：功能不需要太強，語法較為簡單，容易學習和部署。那一年，正</a:t>
+            </a:r>
+            <a:r>
+              <a:rPr lang="zh-TW" altLang="en-US" sz="1600" smtClean="0"/>
+              <a:t>逢 </a:t>
+            </a:r>
+            <a:r>
+              <a:rPr lang="en-US" altLang="zh-TW" sz="1600" smtClean="0"/>
+              <a:t>Sun </a:t>
+            </a:r>
+            <a:r>
+              <a:rPr lang="zh-TW" altLang="en-US" sz="1600" smtClean="0"/>
+              <a:t>公司的 </a:t>
+            </a:r>
+            <a:r>
+              <a:rPr lang="en-US" altLang="zh-TW" sz="1600" smtClean="0"/>
+              <a:t>Java </a:t>
+            </a:r>
+            <a:r>
+              <a:rPr lang="zh-TW" altLang="en-US" sz="1600" smtClean="0"/>
+              <a:t>語言</a:t>
+            </a:r>
+            <a:r>
+              <a:rPr lang="zh-TW" altLang="en-US" sz="1600"/>
+              <a:t>問世，市場推廣活動非常成功。</a:t>
+            </a:r>
+            <a:r>
+              <a:rPr lang="en-US" altLang="zh-TW" sz="1600" smtClean="0"/>
+              <a:t>Netscape</a:t>
+            </a:r>
+            <a:r>
+              <a:rPr lang="zh-TW" altLang="en-US" sz="1600" smtClean="0"/>
+              <a:t> 公司</a:t>
+            </a:r>
+            <a:r>
+              <a:rPr lang="zh-TW" altLang="en-US" sz="1600"/>
+              <a:t>決定</a:t>
+            </a:r>
+            <a:r>
+              <a:rPr lang="zh-TW" altLang="en-US" sz="1600" smtClean="0"/>
+              <a:t>與 </a:t>
+            </a:r>
+            <a:r>
+              <a:rPr lang="en-US" altLang="zh-TW" sz="1600" smtClean="0"/>
+              <a:t>Sun </a:t>
+            </a:r>
+            <a:r>
+              <a:rPr lang="zh-TW" altLang="en-US" sz="1600" smtClean="0"/>
+              <a:t>公司</a:t>
+            </a:r>
+            <a:r>
+              <a:rPr lang="zh-TW" altLang="en-US" sz="1600"/>
+              <a:t>合作，瀏覽器支持</a:t>
+            </a:r>
+            <a:r>
+              <a:rPr lang="zh-TW" altLang="en-US" sz="1600" smtClean="0"/>
+              <a:t>嵌入 </a:t>
+            </a:r>
+            <a:r>
+              <a:rPr lang="en-US" altLang="zh-TW" sz="1600" smtClean="0"/>
+              <a:t>Java </a:t>
+            </a:r>
+            <a:r>
+              <a:rPr lang="zh-TW" altLang="en-US" sz="1600" smtClean="0"/>
+              <a:t>小</a:t>
+            </a:r>
+            <a:r>
+              <a:rPr lang="zh-TW" altLang="en-US" sz="1600"/>
+              <a:t>程序（後來</a:t>
+            </a:r>
+            <a:r>
+              <a:rPr lang="zh-TW" altLang="en-US" sz="1600" smtClean="0"/>
+              <a:t>稱為 </a:t>
+            </a:r>
+            <a:r>
+              <a:rPr lang="en-US" altLang="zh-TW" sz="1600" smtClean="0"/>
+              <a:t>Java </a:t>
+            </a:r>
+            <a:r>
+              <a:rPr lang="en-US" altLang="zh-TW" sz="1600" smtClean="0"/>
+              <a:t>Applet</a:t>
+            </a:r>
+            <a:r>
+              <a:rPr lang="zh-TW" altLang="en-US" sz="1600"/>
+              <a:t>）。但是，瀏覽器腳本語言是否就</a:t>
+            </a:r>
+            <a:r>
+              <a:rPr lang="zh-TW" altLang="en-US" sz="1600" smtClean="0"/>
+              <a:t>選用 </a:t>
+            </a:r>
+            <a:r>
+              <a:rPr lang="en-US" altLang="zh-TW" sz="1600" smtClean="0"/>
+              <a:t>Java</a:t>
+            </a:r>
+            <a:r>
+              <a:rPr lang="zh-TW" altLang="en-US" sz="1600"/>
+              <a:t>，則存在爭論。後來，還是決定不使用</a:t>
+            </a:r>
+            <a:r>
+              <a:rPr lang="en-US" altLang="zh-TW" sz="1600"/>
+              <a:t>Java</a:t>
+            </a:r>
+            <a:r>
+              <a:rPr lang="zh-TW" altLang="en-US" sz="1600"/>
+              <a:t>，因為網頁小程序不</a:t>
+            </a:r>
+            <a:r>
+              <a:rPr lang="zh-TW" altLang="en-US" sz="1600" smtClean="0"/>
+              <a:t>需要 </a:t>
+            </a:r>
+            <a:r>
+              <a:rPr lang="en-US" altLang="zh-TW" sz="1600" smtClean="0"/>
+              <a:t>Java </a:t>
+            </a:r>
+            <a:r>
+              <a:rPr lang="zh-TW" altLang="en-US" sz="1600" smtClean="0"/>
+              <a:t>這麼</a:t>
+            </a:r>
+            <a:r>
+              <a:rPr lang="zh-TW" altLang="en-US" sz="1600"/>
+              <a:t>“重”的語法。但是，同時也決定腳本語言的語法要</a:t>
+            </a:r>
+            <a:r>
+              <a:rPr lang="zh-TW" altLang="en-US" sz="1600" smtClean="0"/>
+              <a:t>接近 </a:t>
+            </a:r>
+            <a:r>
+              <a:rPr lang="en-US" altLang="zh-TW" sz="1600" smtClean="0"/>
+              <a:t>Java</a:t>
+            </a:r>
+            <a:r>
+              <a:rPr lang="zh-TW" altLang="en-US" sz="1600"/>
+              <a:t>，並且可以</a:t>
+            </a:r>
+            <a:r>
+              <a:rPr lang="zh-TW" altLang="en-US" sz="1600" smtClean="0"/>
+              <a:t>支援 </a:t>
+            </a:r>
+            <a:r>
+              <a:rPr lang="en-US" altLang="zh-TW" sz="1600" smtClean="0"/>
+              <a:t>Java </a:t>
+            </a:r>
+            <a:r>
+              <a:rPr lang="zh-TW" altLang="en-US" sz="1600" smtClean="0"/>
+              <a:t>程式</a:t>
+            </a:r>
+            <a:r>
+              <a:rPr lang="zh-TW" altLang="en-US" sz="1600" smtClean="0"/>
               <a:t>。</a:t>
             </a:r>
-          </a:p>
-          <a:p>
-            <a:r>
-              <a:rPr lang="en-US" altLang="zh-TW"/>
+            <a:r>
+              <a:rPr lang="zh-TW" altLang="en-US" sz="1600"/>
+              <a:t>這些設想直接排除了使用現存語言，</a:t>
+            </a:r>
+            <a:r>
+              <a:rPr lang="zh-TW" altLang="en-US" sz="1600" smtClean="0"/>
+              <a:t>比如 </a:t>
+            </a:r>
+            <a:r>
+              <a:rPr lang="en-US" altLang="zh-TW" sz="1600" smtClean="0"/>
+              <a:t>Perl</a:t>
+            </a:r>
+            <a:r>
+              <a:rPr lang="zh-TW" altLang="en-US" sz="1600"/>
+              <a:t>、</a:t>
+            </a:r>
+            <a:r>
+              <a:rPr lang="en-US" altLang="zh-TW" sz="1600" smtClean="0"/>
+              <a:t>Python </a:t>
+            </a:r>
+            <a:r>
+              <a:rPr lang="zh-TW" altLang="en-US" sz="1600" smtClean="0"/>
+              <a:t>和 </a:t>
+            </a:r>
+            <a:r>
+              <a:rPr lang="en-US" altLang="zh-TW" sz="1600" smtClean="0"/>
+              <a:t>TCL</a:t>
+            </a:r>
+            <a:r>
+              <a:rPr lang="zh-TW" altLang="en-US" sz="1600"/>
+              <a:t>。</a:t>
+            </a:r>
+          </a:p>
+          <a:p>
+            <a:r>
+              <a:rPr lang="en-US" altLang="zh-TW" sz="1600"/>
+              <a:t>1995</a:t>
+            </a:r>
+            <a:r>
+              <a:rPr lang="zh-TW" altLang="en-US" sz="1600"/>
+              <a:t>年，</a:t>
+            </a:r>
+            <a:r>
+              <a:rPr lang="en-US" altLang="zh-TW" sz="1600" smtClean="0"/>
               <a:t>Netscape</a:t>
             </a:r>
             <a:r>
-              <a:rPr lang="zh-TW" altLang="en-US"/>
-              <a:t>公司很快發現，</a:t>
-            </a:r>
-            <a:r>
-              <a:rPr lang="en-US" altLang="zh-TW" smtClean="0">
-                <a:solidFill>
-                  <a:srgbClr val="00B0F0"/>
-                </a:solidFill>
-              </a:rPr>
-              <a:t>Navigator</a:t>
-            </a:r>
-            <a:r>
-              <a:rPr lang="zh-TW" altLang="en-US" smtClean="0">
-                <a:solidFill>
-                  <a:srgbClr val="00B0F0"/>
-                </a:solidFill>
-              </a:rPr>
-              <a:t> 瀏覽器</a:t>
-            </a:r>
-            <a:r>
-              <a:rPr lang="zh-TW" altLang="en-US">
-                <a:solidFill>
-                  <a:srgbClr val="00B0F0"/>
-                </a:solidFill>
-              </a:rPr>
-              <a:t>需要一種可以嵌入網頁的</a:t>
-            </a:r>
-            <a:r>
-              <a:rPr lang="zh-TW" altLang="en-US">
+              <a:rPr lang="zh-TW" altLang="en-US" sz="1600" smtClean="0"/>
+              <a:t> 公司聘僱了</a:t>
+            </a:r>
+            <a:r>
+              <a:rPr lang="zh-TW" altLang="en-US" sz="1600"/>
+              <a:t>程序</a:t>
+            </a:r>
+            <a:r>
+              <a:rPr lang="zh-TW" altLang="en-US" sz="1600" smtClean="0"/>
+              <a:t>員 </a:t>
+            </a:r>
+            <a:r>
+              <a:rPr lang="en-US" altLang="zh-TW" sz="1600" smtClean="0">
+                <a:solidFill>
+                  <a:srgbClr val="0070C0"/>
+                </a:solidFill>
+              </a:rPr>
+              <a:t>Brendan </a:t>
+            </a:r>
+            <a:r>
+              <a:rPr lang="en-US" altLang="zh-TW" sz="1600" err="1" smtClean="0">
+                <a:solidFill>
+                  <a:srgbClr val="0070C0"/>
+                </a:solidFill>
+              </a:rPr>
+              <a:t>Eich</a:t>
+            </a:r>
+            <a:r>
+              <a:rPr lang="zh-TW" altLang="en-US" sz="1600" smtClean="0">
+                <a:solidFill>
+                  <a:srgbClr val="0070C0"/>
+                </a:solidFill>
+              </a:rPr>
+              <a:t> </a:t>
+            </a:r>
+            <a:r>
+              <a:rPr lang="zh-TW" altLang="en-US" sz="1600" smtClean="0"/>
+              <a:t>開發</a:t>
+            </a:r>
+            <a:r>
+              <a:rPr lang="zh-TW" altLang="en-US" sz="1600"/>
+              <a:t>這種網頁腳本語言。</a:t>
+            </a:r>
+            <a:r>
+              <a:rPr lang="en-US" altLang="zh-TW" sz="1600"/>
+              <a:t>Brendan </a:t>
+            </a:r>
+            <a:r>
+              <a:rPr lang="en-US" altLang="zh-TW" sz="1600" err="1"/>
+              <a:t>Eich</a:t>
+            </a:r>
+            <a:r>
+              <a:rPr lang="zh-TW" altLang="en-US" sz="1600"/>
+              <a:t>有很強的</a:t>
+            </a:r>
+            <a:r>
+              <a:rPr lang="zh-TW" altLang="en-US" sz="1600">
                 <a:solidFill>
                   <a:srgbClr val="FF0000"/>
                 </a:solidFill>
               </a:rPr>
-              <a:t>腳本語言</a:t>
-            </a:r>
-            <a:r>
-              <a:rPr lang="zh-TW" altLang="en-US">
-                <a:solidFill>
-                  <a:srgbClr val="00B0F0"/>
-                </a:solidFill>
-              </a:rPr>
-              <a:t>，用來控制瀏覽器行為</a:t>
-            </a:r>
-            <a:r>
-              <a:rPr lang="zh-TW" altLang="en-US"/>
-              <a:t>。當時，網速很慢而且上網費很貴，有些操作不宜在服務器端完成。比如，如果用戶忘記填寫“用戶名”，就點了“發送”按鈕，到服務器再發現這一點就有點太晚了，最好能在用戶發出數據之前，就告訴用戶“請填寫用戶名”。這就需要在網頁中嵌入小程序，讓瀏覽器檢查每一欄是否都填寫了。</a:t>
-            </a:r>
-          </a:p>
-          <a:p>
-            <a:r>
-              <a:rPr lang="zh-TW" altLang="en-US"/>
-              <a:t>管理層對這種瀏覽器腳本語言的設想是：功能不需要太強，語法較為簡單，容易學習和部署。那一年，正逢</a:t>
-            </a:r>
-            <a:r>
-              <a:rPr lang="en-US" altLang="zh-TW"/>
-              <a:t>Sun</a:t>
-            </a:r>
-            <a:r>
-              <a:rPr lang="zh-TW" altLang="en-US"/>
-              <a:t>公司的</a:t>
-            </a:r>
-            <a:r>
-              <a:rPr lang="en-US" altLang="zh-TW"/>
-              <a:t>Java</a:t>
-            </a:r>
-            <a:r>
-              <a:rPr lang="zh-TW" altLang="en-US"/>
-              <a:t>語言問世，市場推廣活動非常成功。</a:t>
-            </a:r>
-            <a:r>
-              <a:rPr lang="en-US" altLang="zh-TW" smtClean="0"/>
-              <a:t>Netscape</a:t>
-            </a:r>
-            <a:r>
-              <a:rPr lang="zh-TW" altLang="en-US" smtClean="0"/>
-              <a:t> 公司</a:t>
-            </a:r>
-            <a:r>
-              <a:rPr lang="zh-TW" altLang="en-US"/>
-              <a:t>決定</a:t>
-            </a:r>
-            <a:r>
-              <a:rPr lang="zh-TW" altLang="en-US" smtClean="0"/>
-              <a:t>與 </a:t>
-            </a:r>
-            <a:r>
-              <a:rPr lang="en-US" altLang="zh-TW" smtClean="0"/>
-              <a:t>Sun</a:t>
-            </a:r>
-            <a:r>
-              <a:rPr lang="zh-TW" altLang="en-US"/>
-              <a:t>公司合作，瀏覽器支持嵌入</a:t>
-            </a:r>
-            <a:r>
-              <a:rPr lang="en-US" altLang="zh-TW"/>
-              <a:t>Java</a:t>
-            </a:r>
-            <a:r>
-              <a:rPr lang="zh-TW" altLang="en-US"/>
-              <a:t>小程序（後來稱為</a:t>
-            </a:r>
-            <a:r>
-              <a:rPr lang="en-US" altLang="zh-TW"/>
-              <a:t>Java </a:t>
-            </a:r>
-            <a:r>
-              <a:rPr lang="en-US" altLang="zh-TW" smtClean="0"/>
-              <a:t>Applet</a:t>
-            </a:r>
-            <a:r>
-              <a:rPr lang="zh-TW" altLang="en-US"/>
-              <a:t>）。但是，瀏覽器腳本語言是否就</a:t>
-            </a:r>
-            <a:r>
-              <a:rPr lang="zh-TW" altLang="en-US" smtClean="0"/>
-              <a:t>選用 </a:t>
-            </a:r>
-            <a:r>
-              <a:rPr lang="en-US" altLang="zh-TW" smtClean="0"/>
-              <a:t>Java</a:t>
-            </a:r>
-            <a:r>
-              <a:rPr lang="zh-TW" altLang="en-US"/>
-              <a:t>，則存在爭論。後來，還是決定不使用</a:t>
-            </a:r>
-            <a:r>
-              <a:rPr lang="en-US" altLang="zh-TW"/>
-              <a:t>Java</a:t>
-            </a:r>
-            <a:r>
-              <a:rPr lang="zh-TW" altLang="en-US"/>
-              <a:t>，因為網頁小程序不需要</a:t>
-            </a:r>
-            <a:r>
-              <a:rPr lang="en-US" altLang="zh-TW"/>
-              <a:t>Java</a:t>
-            </a:r>
-            <a:r>
-              <a:rPr lang="zh-TW" altLang="en-US"/>
-              <a:t>這麼“重”的語法。但是，同時也決定腳本語言的語法要接近</a:t>
-            </a:r>
-            <a:r>
-              <a:rPr lang="en-US" altLang="zh-TW"/>
-              <a:t>Java</a:t>
-            </a:r>
-            <a:r>
-              <a:rPr lang="zh-TW" altLang="en-US"/>
-              <a:t>，並且可以</a:t>
-            </a:r>
-            <a:r>
-              <a:rPr lang="zh-TW" altLang="en-US" smtClean="0"/>
-              <a:t>支援</a:t>
-            </a:r>
-            <a:r>
-              <a:rPr lang="en-US" altLang="zh-TW" smtClean="0"/>
-              <a:t>Java</a:t>
-            </a:r>
-            <a:r>
-              <a:rPr lang="zh-TW" altLang="en-US" smtClean="0"/>
-              <a:t>程式。</a:t>
-            </a:r>
-            <a:r>
-              <a:rPr lang="zh-TW" altLang="en-US"/>
-              <a:t>這些設想直接排除了使用現存語言，比如</a:t>
-            </a:r>
-            <a:r>
-              <a:rPr lang="en-US" altLang="zh-TW"/>
-              <a:t>Perl</a:t>
-            </a:r>
-            <a:r>
-              <a:rPr lang="zh-TW" altLang="en-US"/>
-              <a:t>、</a:t>
-            </a:r>
-            <a:r>
-              <a:rPr lang="en-US" altLang="zh-TW"/>
-              <a:t>Python</a:t>
-            </a:r>
-            <a:r>
-              <a:rPr lang="zh-TW" altLang="en-US"/>
-              <a:t>和</a:t>
-            </a:r>
-            <a:r>
-              <a:rPr lang="en-US" altLang="zh-TW"/>
-              <a:t>TCL</a:t>
-            </a:r>
-            <a:r>
-              <a:rPr lang="zh-TW" altLang="en-US"/>
+              <a:t>函數式編程</a:t>
+            </a:r>
+            <a:r>
+              <a:rPr lang="zh-TW" altLang="en-US" sz="1600"/>
+              <a:t>背景，希望</a:t>
+            </a:r>
+            <a:r>
+              <a:rPr lang="zh-TW" altLang="en-US" sz="1600" smtClean="0"/>
+              <a:t>以 </a:t>
+            </a:r>
+            <a:r>
+              <a:rPr lang="en-US" altLang="zh-TW" sz="1600" smtClean="0"/>
+              <a:t>Scheme</a:t>
+            </a:r>
+            <a:r>
+              <a:rPr lang="zh-TW" altLang="en-US" sz="1600" smtClean="0"/>
+              <a:t> 語言</a:t>
+            </a:r>
+            <a:r>
+              <a:rPr lang="zh-TW" altLang="en-US" sz="1600"/>
+              <a:t>（函數式語言</a:t>
+            </a:r>
+            <a:r>
+              <a:rPr lang="zh-TW" altLang="en-US" sz="1600" smtClean="0"/>
+              <a:t>鼻祖 </a:t>
+            </a:r>
+            <a:r>
+              <a:rPr lang="en-US" altLang="zh-TW" sz="1600" smtClean="0">
+                <a:solidFill>
+                  <a:srgbClr val="FF0000"/>
+                </a:solidFill>
+              </a:rPr>
+              <a:t>LISP</a:t>
+            </a:r>
+            <a:r>
+              <a:rPr lang="zh-TW" altLang="en-US" sz="1600" smtClean="0">
+                <a:solidFill>
+                  <a:srgbClr val="FF0000"/>
+                </a:solidFill>
+              </a:rPr>
+              <a:t> </a:t>
+            </a:r>
+            <a:r>
+              <a:rPr lang="zh-TW" altLang="en-US" sz="1600" smtClean="0"/>
+              <a:t>語言</a:t>
+            </a:r>
+            <a:r>
+              <a:rPr lang="zh-TW" altLang="en-US" sz="1600"/>
+              <a:t>的一種方言）為藍本，實現這種新語言</a:t>
+            </a:r>
+            <a:r>
+              <a:rPr lang="zh-TW" altLang="en-US" sz="1600" smtClean="0"/>
               <a:t>。</a:t>
             </a:r>
-          </a:p>
-          <a:p>
-            <a:r>
-              <a:rPr lang="en-US" altLang="zh-TW"/>
-              <a:t>1995</a:t>
-            </a:r>
-            <a:r>
-              <a:rPr lang="zh-TW" altLang="en-US"/>
-              <a:t>年，</a:t>
-            </a:r>
-            <a:r>
-              <a:rPr lang="en-US" altLang="zh-TW" smtClean="0"/>
-              <a:t>Netscape</a:t>
-            </a:r>
-            <a:r>
-              <a:rPr lang="zh-TW" altLang="en-US" smtClean="0"/>
-              <a:t> 公司聘僱了</a:t>
-            </a:r>
-            <a:r>
-              <a:rPr lang="zh-TW" altLang="en-US"/>
-              <a:t>程序</a:t>
-            </a:r>
-            <a:r>
-              <a:rPr lang="zh-TW" altLang="en-US" smtClean="0"/>
-              <a:t>員 </a:t>
-            </a:r>
-            <a:r>
-              <a:rPr lang="en-US" altLang="zh-TW" smtClean="0">
-                <a:solidFill>
-                  <a:srgbClr val="0070C0"/>
-                </a:solidFill>
-              </a:rPr>
-              <a:t>Brendan </a:t>
-            </a:r>
-            <a:r>
-              <a:rPr lang="en-US" altLang="zh-TW" err="1" smtClean="0">
-                <a:solidFill>
-                  <a:srgbClr val="0070C0"/>
-                </a:solidFill>
-              </a:rPr>
-              <a:t>Eich</a:t>
-            </a:r>
-            <a:r>
-              <a:rPr lang="zh-TW" altLang="en-US" smtClean="0">
-                <a:solidFill>
-                  <a:srgbClr val="0070C0"/>
-                </a:solidFill>
-              </a:rPr>
-              <a:t> </a:t>
-            </a:r>
-            <a:r>
-              <a:rPr lang="zh-TW" altLang="en-US" smtClean="0"/>
-              <a:t>開發</a:t>
-            </a:r>
-            <a:r>
-              <a:rPr lang="zh-TW" altLang="en-US"/>
-              <a:t>這種網頁腳本語言。</a:t>
-            </a:r>
-            <a:r>
-              <a:rPr lang="en-US" altLang="zh-TW"/>
-              <a:t>Brendan </a:t>
-            </a:r>
-            <a:r>
-              <a:rPr lang="en-US" altLang="zh-TW" err="1"/>
-              <a:t>Eich</a:t>
-            </a:r>
-            <a:r>
-              <a:rPr lang="zh-TW" altLang="en-US"/>
-              <a:t>有很強的</a:t>
-            </a:r>
-            <a:r>
-              <a:rPr lang="zh-TW" altLang="en-US">
-                <a:solidFill>
-                  <a:srgbClr val="FF0000"/>
-                </a:solidFill>
-              </a:rPr>
-              <a:t>函數式編程</a:t>
-            </a:r>
-            <a:r>
-              <a:rPr lang="zh-TW" altLang="en-US"/>
-              <a:t>背景，希望</a:t>
-            </a:r>
-            <a:r>
-              <a:rPr lang="zh-TW" altLang="en-US" smtClean="0"/>
-              <a:t>以 </a:t>
-            </a:r>
-            <a:r>
-              <a:rPr lang="en-US" altLang="zh-TW" smtClean="0"/>
-              <a:t>Scheme</a:t>
-            </a:r>
-            <a:r>
-              <a:rPr lang="zh-TW" altLang="en-US" smtClean="0"/>
-              <a:t> 語言</a:t>
-            </a:r>
-            <a:r>
-              <a:rPr lang="zh-TW" altLang="en-US"/>
-              <a:t>（函數式語言</a:t>
-            </a:r>
-            <a:r>
-              <a:rPr lang="zh-TW" altLang="en-US" smtClean="0"/>
-              <a:t>鼻祖 </a:t>
-            </a:r>
-            <a:r>
-              <a:rPr lang="en-US" altLang="zh-TW" smtClean="0">
-                <a:solidFill>
-                  <a:srgbClr val="FF0000"/>
-                </a:solidFill>
-              </a:rPr>
-              <a:t>LISP</a:t>
-            </a:r>
-            <a:r>
-              <a:rPr lang="zh-TW" altLang="en-US" smtClean="0">
-                <a:solidFill>
-                  <a:srgbClr val="FF0000"/>
-                </a:solidFill>
-              </a:rPr>
-              <a:t> </a:t>
-            </a:r>
-            <a:r>
-              <a:rPr lang="zh-TW" altLang="en-US" smtClean="0"/>
-              <a:t>語言</a:t>
-            </a:r>
-            <a:r>
-              <a:rPr lang="zh-TW" altLang="en-US"/>
-              <a:t>的一種方言）為藍本，實現這種新語言</a:t>
-            </a:r>
-            <a:r>
-              <a:rPr lang="zh-TW" altLang="en-US" smtClean="0"/>
-              <a:t>。</a:t>
-            </a:r>
-            <a:endParaRPr lang="zh-TW" altLang="en-US"/>
+            <a:endParaRPr lang="zh-TW" altLang="en-US" sz="1600"/>
           </a:p>
         </p:txBody>
       </p:sp>
@@ -26069,10 +26347,15 @@
             <p:ph idx="1"/>
           </p:nvPr>
         </p:nvSpPr>
-        <p:spPr/>
+        <p:spPr>
+          <a:xfrm>
+            <a:off x="677333" y="1619794"/>
+            <a:ext cx="8971763" cy="4763589"/>
+          </a:xfrm>
+        </p:spPr>
         <p:txBody>
           <a:bodyPr>
-            <a:normAutofit lnSpcReduction="10000"/>
+            <a:normAutofit/>
           </a:bodyPr>
           <a:lstStyle/>
           <a:p>
@@ -26114,7 +26397,22 @@
             </a:r>
             <a:r>
               <a:rPr lang="zh-TW" altLang="en-US"/>
-              <a:t>天，就設計完成了這種語言的第一版。它是一個大雜燴，語法有多個來源：</a:t>
+              <a:t>天，就設計完成了這種語言的第一版</a:t>
+            </a:r>
+            <a:r>
+              <a:rPr lang="zh-TW" altLang="en-US" smtClean="0"/>
+              <a:t>。</a:t>
+            </a:r>
+            <a:endParaRPr lang="en-US" altLang="zh-TW" smtClean="0"/>
+          </a:p>
+          <a:p>
+            <a:r>
+              <a:rPr lang="zh-TW" altLang="en-US" smtClean="0"/>
+              <a:t>它</a:t>
+            </a:r>
+            <a:r>
+              <a:rPr lang="zh-TW" altLang="en-US"/>
+              <a:t>是一個大雜燴，語法有多個來源：</a:t>
             </a:r>
           </a:p>
           <a:p>
@@ -26232,14 +26530,30 @@
             </a:r>
             <a:r>
               <a:rPr lang="zh-TW" altLang="en-US" smtClean="0"/>
-              <a:t>當作第一</a:t>
-            </a:r>
-            <a:r>
-              <a:rPr lang="zh-TW" altLang="en-US"/>
+              <a:t>當作</a:t>
+            </a:r>
+            <a:r>
+              <a:rPr lang="zh-TW" altLang="en-US" smtClean="0">
+                <a:solidFill>
+                  <a:srgbClr val="0070C0"/>
+                </a:solidFill>
+              </a:rPr>
+              <a:t>第一</a:t>
+            </a:r>
+            <a:r>
+              <a:rPr lang="zh-TW" altLang="en-US">
+                <a:solidFill>
+                  <a:srgbClr val="0070C0"/>
+                </a:solidFill>
+              </a:rPr>
               <a:t>級</a:t>
             </a:r>
             <a:r>
-              <a:rPr lang="zh-TW" altLang="en-US" smtClean="0"/>
+              <a:rPr lang="zh-TW" altLang="en-US" smtClean="0">
+                <a:solidFill>
+                  <a:srgbClr val="0070C0"/>
+                </a:solidFill>
+              </a:rPr>
               <a:t>物件</a:t>
             </a:r>
             <a:r>
@@ -26276,10 +26590,22 @@
             </a:r>
             <a:r>
               <a:rPr lang="zh-TW" altLang="en-US"/>
-              <a:t>並引入閉</a:t>
-            </a:r>
-            <a:r>
-              <a:rPr lang="zh-TW" altLang="en-US" smtClean="0"/>
+              <a:t>並引入</a:t>
+            </a:r>
+            <a:r>
+              <a:rPr lang="zh-TW" altLang="en-US">
+                <a:solidFill>
+                  <a:srgbClr val="0070C0"/>
+                </a:solidFill>
+              </a:rPr>
+              <a:t>閉</a:t>
+            </a:r>
+            <a:r>
+              <a:rPr lang="zh-TW" altLang="en-US" smtClean="0">
+                <a:solidFill>
+                  <a:srgbClr val="0070C0"/>
+                </a:solidFill>
+              </a:rPr>
               <a:t>包</a:t>
             </a:r>
             <a:r>
@@ -26378,9 +26704,17 @@
               <a:t> 語言</a:t>
             </a:r>
             <a:r>
-              <a:rPr lang="zh-TW" altLang="en-US"/>
+              <a:rPr lang="zh-TW" altLang="en-US" smtClean="0"/>
               <a:t>。</a:t>
             </a:r>
+            <a:endParaRPr lang="en-US" altLang="zh-TW" smtClean="0"/>
+          </a:p>
+          <a:p>
+            <a:pPr lvl="1">
+              <a:buFont typeface="Wingdings" panose="05000000000000000000" pitchFamily="2" charset="2"/>
+              <a:buChar char="p"/>
+            </a:pPr>
+            <a:endParaRPr lang="zh-TW" altLang="en-US"/>
           </a:p>
           <a:p>
             <a:r>
@@ -26469,7 +26803,15 @@
                   <a:srgbClr val="FF0000"/>
                 </a:solidFill>
               </a:rPr>
-              <a:t>(Object-Oriented Programming)</a:t>
+              <a:t>(Object-Oriented Programming</a:t>
+            </a:r>
+            <a:r>
+              <a:rPr lang="en-US" altLang="zh-TW" smtClean="0">
+                <a:solidFill>
+                  <a:srgbClr val="FF0000"/>
+                </a:solidFill>
+              </a:rPr>
+              <a:t>) </a:t>
             </a:r>
             <a:r>
               <a:rPr lang="zh-TW" altLang="en-US" smtClean="0">
@@ -26571,12 +26913,14 @@
         </p:nvSpPr>
         <p:spPr>
           <a:xfrm>
-            <a:off x="677333" y="2160589"/>
-            <a:ext cx="8596669" cy="4318588"/>
+            <a:off x="677333" y="1750423"/>
+            <a:ext cx="8596669" cy="4728754"/>
           </a:xfrm>
         </p:spPr>
         <p:txBody>
-          <a:bodyPr/>
+          <a:bodyPr>
+            <a:normAutofit/>
+          </a:bodyPr>
           <a:lstStyle/>
           <a:p>
             <a:r>
@@ -26890,9 +27234,10 @@
               <a:t> 語言</a:t>
             </a:r>
             <a:r>
-              <a:rPr lang="zh-TW" altLang="en-US"/>
+              <a:rPr lang="zh-TW" altLang="en-US" smtClean="0"/>
               <a:t>。</a:t>
             </a:r>
+            <a:endParaRPr lang="zh-TW" altLang="en-US"/>
           </a:p>
           <a:p>
             <a:r>
@@ -26941,13 +27286,12 @@
             </a:r>
             <a:r>
               <a:rPr lang="zh-TW" altLang="en-US"/>
-              <a:t>語言。</a:t>
-            </a:r>
-          </a:p>
-          <a:p>
-            <a:pPr marL="0" indent="0">
-              <a:buNone/>
-            </a:pPr>
+              <a:t>語言</a:t>
+            </a:r>
+            <a:r>
+              <a:rPr lang="zh-TW" altLang="en-US" smtClean="0"/>
+              <a:t>。</a:t>
+            </a:r>
             <a:endParaRPr lang="zh-TW" altLang="en-US"/>
           </a:p>
         </p:txBody>

--- a/Part-1-Type-Value-Variable/Web 前端入門(一).pptx
+++ b/Part-1-Type-Value-Variable/Web 前端入門(一).pptx
@@ -7510,14 +7510,14 @@
           <a:lstStyle/>
           <a:p>
             <a:r>
-              <a:rPr lang="zh-TW" altLang="en-US"/>
+              <a:rPr lang="zh-TW" altLang="en-US" dirty="0"/>
               <a:t>字面值 </a:t>
             </a:r>
             <a:r>
-              <a:rPr lang="en-US" altLang="zh-TW"/>
+              <a:rPr lang="en-US" altLang="zh-TW" dirty="0"/>
               <a:t>(literal)</a:t>
             </a:r>
-            <a:endParaRPr lang="zh-TW" altLang="en-US"/>
+            <a:endParaRPr lang="zh-TW" altLang="en-US" dirty="0"/>
           </a:p>
         </p:txBody>
       </p:sp>
@@ -7537,14 +7537,14 @@
           <a:lstStyle/>
           <a:p>
             <a:r>
-              <a:rPr lang="zh-TW" altLang="en-US"/>
-              <a:t>字面值是直接出現在城市中的資料值，下列皆為字面值</a:t>
-            </a:r>
-            <a:endParaRPr lang="en-US" altLang="zh-TW"/>
+              <a:rPr lang="zh-TW" altLang="en-US" dirty="0"/>
+              <a:t>字面值是直接出現在程式中的資料值，下列皆為字面值</a:t>
+            </a:r>
+            <a:endParaRPr lang="en-US" altLang="zh-TW" dirty="0"/>
           </a:p>
           <a:p>
             <a:pPr lvl="1"/>
-            <a:endParaRPr lang="en-US" altLang="zh-TW"/>
+            <a:endParaRPr lang="en-US" altLang="zh-TW" dirty="0"/>
           </a:p>
           <a:p>
             <a:pPr lvl="1">
@@ -7552,15 +7552,15 @@
               <a:buChar char="p"/>
             </a:pPr>
             <a:r>
-              <a:rPr lang="en-US" altLang="zh-TW"/>
+              <a:rPr lang="en-US" altLang="zh-TW" dirty="0"/>
               <a:t>12			//</a:t>
             </a:r>
             <a:r>
-              <a:rPr lang="zh-TW" altLang="en-US"/>
+              <a:rPr lang="zh-TW" altLang="en-US" dirty="0"/>
               <a:t> 數字 </a:t>
             </a:r>
             <a:r>
-              <a:rPr lang="en-US" altLang="zh-TW"/>
+              <a:rPr lang="en-US" altLang="zh-TW" dirty="0"/>
               <a:t>12</a:t>
             </a:r>
           </a:p>
@@ -7570,15 +7570,15 @@
               <a:buChar char="p"/>
             </a:pPr>
             <a:r>
-              <a:rPr lang="en-US" altLang="zh-TW"/>
+              <a:rPr lang="en-US" altLang="zh-TW" dirty="0"/>
               <a:t>1.2			//</a:t>
             </a:r>
             <a:r>
-              <a:rPr lang="zh-TW" altLang="en-US"/>
+              <a:rPr lang="zh-TW" altLang="en-US" dirty="0"/>
               <a:t> 數字 </a:t>
             </a:r>
             <a:r>
-              <a:rPr lang="en-US" altLang="zh-TW"/>
+              <a:rPr lang="en-US" altLang="zh-TW" dirty="0"/>
               <a:t>1.2</a:t>
             </a:r>
           </a:p>
@@ -7588,14 +7588,14 @@
               <a:buChar char="p"/>
             </a:pPr>
             <a:r>
-              <a:rPr lang="en-US" altLang="zh-TW"/>
+              <a:rPr lang="en-US" altLang="zh-TW" dirty="0"/>
               <a:t>“Hello World”	// </a:t>
             </a:r>
             <a:r>
-              <a:rPr lang="zh-TW" altLang="en-US"/>
+              <a:rPr lang="zh-TW" altLang="en-US" dirty="0"/>
               <a:t>一列字串</a:t>
             </a:r>
-            <a:endParaRPr lang="en-US" altLang="zh-TW"/>
+            <a:endParaRPr lang="en-US" altLang="zh-TW" dirty="0"/>
           </a:p>
           <a:p>
             <a:pPr lvl="1">
@@ -7603,22 +7603,22 @@
               <a:buChar char="p"/>
             </a:pPr>
             <a:r>
-              <a:rPr lang="en-US" altLang="zh-TW"/>
+              <a:rPr lang="en-US" altLang="zh-TW" dirty="0"/>
               <a:t>true			//</a:t>
             </a:r>
             <a:r>
-              <a:rPr lang="zh-TW" altLang="en-US"/>
+              <a:rPr lang="zh-TW" altLang="en-US" dirty="0"/>
               <a:t> 一個 </a:t>
             </a:r>
             <a:r>
-              <a:rPr lang="en-US" altLang="zh-TW"/>
+              <a:rPr lang="en-US" altLang="zh-TW" dirty="0"/>
               <a:t>Boolean </a:t>
             </a:r>
             <a:r>
-              <a:rPr lang="zh-TW" altLang="en-US"/>
+              <a:rPr lang="zh-TW" altLang="en-US" dirty="0"/>
               <a:t>值</a:t>
             </a:r>
-            <a:endParaRPr lang="en-US" altLang="zh-TW"/>
+            <a:endParaRPr lang="en-US" altLang="zh-TW" dirty="0"/>
           </a:p>
           <a:p>
             <a:pPr lvl="1">
@@ -7626,14 +7626,14 @@
               <a:buChar char="p"/>
             </a:pPr>
             <a:r>
-              <a:rPr lang="en-US" altLang="zh-TW"/>
+              <a:rPr lang="en-US" altLang="zh-TW" dirty="0"/>
               <a:t>null			// </a:t>
             </a:r>
             <a:r>
-              <a:rPr lang="zh-TW" altLang="en-US"/>
+              <a:rPr lang="zh-TW" altLang="en-US" dirty="0"/>
               <a:t>沒有物件存在</a:t>
             </a:r>
-            <a:endParaRPr lang="en-US" altLang="zh-TW"/>
+            <a:endParaRPr lang="en-US" altLang="zh-TW" dirty="0"/>
           </a:p>
           <a:p>
             <a:pPr lvl="1">
@@ -7641,23 +7641,23 @@
               <a:buChar char="p"/>
             </a:pPr>
             <a:r>
-              <a:rPr lang="en-US" altLang="zh-TW"/>
+              <a:rPr lang="en-US" altLang="zh-TW" dirty="0"/>
               <a:t>{</a:t>
             </a:r>
             <a:r>
-              <a:rPr lang="zh-TW" altLang="en-US"/>
+              <a:rPr lang="zh-TW" altLang="en-US" dirty="0"/>
               <a:t> </a:t>
             </a:r>
             <a:r>
-              <a:rPr lang="en-US" altLang="zh-TW"/>
+              <a:rPr lang="en-US" altLang="zh-TW" dirty="0"/>
               <a:t>x:1, y:2 }		// </a:t>
             </a:r>
             <a:r>
-              <a:rPr lang="zh-TW" altLang="en-US"/>
+              <a:rPr lang="zh-TW" altLang="en-US" dirty="0"/>
               <a:t>物件初始設定式 </a:t>
             </a:r>
             <a:r>
-              <a:rPr lang="en-US" altLang="zh-TW"/>
+              <a:rPr lang="en-US" altLang="zh-TW" dirty="0"/>
               <a:t>(object initializer)</a:t>
             </a:r>
           </a:p>
@@ -7667,14 +7667,14 @@
               <a:buChar char="p"/>
             </a:pPr>
             <a:r>
-              <a:rPr lang="en-US" altLang="zh-TW"/>
+              <a:rPr lang="en-US" altLang="zh-TW" dirty="0"/>
               <a:t>[1, 2, 3, 4, 5]	// </a:t>
             </a:r>
             <a:r>
-              <a:rPr lang="zh-TW" altLang="en-US"/>
+              <a:rPr lang="zh-TW" altLang="en-US" dirty="0"/>
               <a:t>陣列初始設定式</a:t>
             </a:r>
-            <a:endParaRPr lang="en-US" altLang="zh-TW"/>
+            <a:endParaRPr lang="en-US" altLang="zh-TW" dirty="0"/>
           </a:p>
         </p:txBody>
       </p:sp>
@@ -15294,14 +15294,14 @@
           <a:lstStyle/>
           <a:p>
             <a:r>
-              <a:rPr lang="zh-TW" altLang="en-US">
+              <a:rPr lang="zh-TW" altLang="en-US" dirty="0">
                 <a:solidFill>
                   <a:srgbClr val="00B0F0"/>
                 </a:solidFill>
               </a:rPr>
               <a:t>第一個例外</a:t>
             </a:r>
-            <a:endParaRPr lang="en-US" altLang="zh-TW">
+            <a:endParaRPr lang="en-US" altLang="zh-TW" dirty="0">
               <a:solidFill>
                 <a:srgbClr val="00B0F0"/>
               </a:solidFill>
@@ -15309,63 +15309,63 @@
           </a:p>
           <a:p>
             <a:r>
-              <a:rPr lang="en-US" altLang="zh-TW"/>
+              <a:rPr lang="en-US" altLang="zh-TW" dirty="0"/>
               <a:t>return</a:t>
             </a:r>
             <a:r>
-              <a:rPr lang="zh-TW" altLang="en-US"/>
+              <a:rPr lang="zh-TW" altLang="en-US" dirty="0"/>
               <a:t>、</a:t>
             </a:r>
             <a:r>
-              <a:rPr lang="en-US" altLang="zh-TW"/>
+              <a:rPr lang="en-US" altLang="zh-TW" dirty="0"/>
               <a:t>break</a:t>
             </a:r>
             <a:r>
-              <a:rPr lang="zh-TW" altLang="en-US"/>
+              <a:rPr lang="zh-TW" altLang="en-US" dirty="0"/>
               <a:t> 與 </a:t>
             </a:r>
             <a:r>
-              <a:rPr lang="en-US" altLang="zh-TW"/>
+              <a:rPr lang="en-US" altLang="zh-TW" dirty="0"/>
               <a:t>continue</a:t>
             </a:r>
             <a:r>
-              <a:rPr lang="zh-TW" altLang="en-US"/>
+              <a:rPr lang="zh-TW" altLang="en-US" dirty="0"/>
               <a:t> 述句通常單獨存在，但是有時會接著一個識別字或者運算式 </a:t>
             </a:r>
             <a:r>
-              <a:rPr lang="en-US" altLang="zh-TW"/>
+              <a:rPr lang="en-US" altLang="zh-TW" dirty="0"/>
               <a:t>(expression)</a:t>
             </a:r>
             <a:r>
-              <a:rPr lang="zh-TW" altLang="en-US"/>
-              <a:t>，如果有個晃行出現在這些字之後 </a:t>
-            </a:r>
-            <a:r>
-              <a:rPr lang="en-US" altLang="zh-TW"/>
+              <a:rPr lang="zh-TW" altLang="en-US" dirty="0"/>
+              <a:t>，如果有個換行出現在這些字之後 </a:t>
+            </a:r>
+            <a:r>
+              <a:rPr lang="en-US" altLang="zh-TW" dirty="0"/>
               <a:t>(</a:t>
             </a:r>
             <a:r>
-              <a:rPr lang="zh-TW" altLang="en-US"/>
+              <a:rPr lang="zh-TW" altLang="en-US" dirty="0"/>
               <a:t>並在其他語彙單元出現之前</a:t>
             </a:r>
             <a:r>
-              <a:rPr lang="en-US" altLang="zh-TW"/>
+              <a:rPr lang="en-US" altLang="zh-TW" dirty="0"/>
               <a:t>)</a:t>
             </a:r>
             <a:r>
-              <a:rPr lang="zh-TW" altLang="en-US"/>
+              <a:rPr lang="zh-TW" altLang="en-US" dirty="0"/>
               <a:t>，</a:t>
             </a:r>
             <a:r>
-              <a:rPr lang="en-US" altLang="zh-TW" err="1"/>
+              <a:rPr lang="en-US" altLang="zh-TW" dirty="0" err="1"/>
               <a:t>Javascript</a:t>
             </a:r>
             <a:r>
-              <a:rPr lang="zh-TW" altLang="en-US"/>
+              <a:rPr lang="zh-TW" altLang="en-US" dirty="0"/>
               <a:t> </a:t>
             </a:r>
             <a:r>
-              <a:rPr lang="zh-TW" altLang="en-US" b="1">
+              <a:rPr lang="zh-TW" altLang="en-US" b="1" dirty="0">
                 <a:solidFill>
                   <a:srgbClr val="FF0000"/>
                 </a:solidFill>
@@ -15373,21 +15373,21 @@
               <a:t>永遠</a:t>
             </a:r>
             <a:r>
-              <a:rPr lang="zh-TW" altLang="en-US"/>
+              <a:rPr lang="zh-TW" altLang="en-US" dirty="0"/>
               <a:t>會將那個換行符號解釋為分號。</a:t>
             </a:r>
-            <a:endParaRPr lang="en-US" altLang="zh-TW"/>
-          </a:p>
-          <a:p>
-            <a:endParaRPr lang="en-US" altLang="zh-TW"/>
-          </a:p>
-          <a:p>
-            <a:r>
-              <a:rPr lang="en-US" altLang="zh-TW" err="1"/>
+            <a:endParaRPr lang="en-US" altLang="zh-TW" dirty="0"/>
+          </a:p>
+          <a:p>
+            <a:endParaRPr lang="en-US" altLang="zh-TW" dirty="0"/>
+          </a:p>
+          <a:p>
+            <a:r>
+              <a:rPr lang="en-US" altLang="zh-TW" dirty="0" err="1"/>
               <a:t>Eg</a:t>
             </a:r>
             <a:r>
-              <a:rPr lang="en-US" altLang="zh-TW"/>
+              <a:rPr lang="en-US" altLang="zh-TW" dirty="0"/>
               <a:t>. 	return</a:t>
             </a:r>
           </a:p>
@@ -15396,50 +15396,42 @@
               <a:buNone/>
             </a:pPr>
             <a:r>
-              <a:rPr lang="en-US" altLang="zh-TW"/>
-              <a:t>		</a:t>
-            </a:r>
-            <a:r>
-              <a:rPr lang="en-US" altLang="zh-TW" err="1"/>
-              <a:t>trun</a:t>
-            </a:r>
-            <a:r>
-              <a:rPr lang="en-US" altLang="zh-TW"/>
-              <a:t>;</a:t>
+              <a:rPr lang="en-US" altLang="zh-TW" dirty="0"/>
+              <a:t>		true;</a:t>
             </a:r>
           </a:p>
           <a:p>
             <a:pPr marL="0" indent="0">
               <a:buNone/>
             </a:pPr>
-            <a:endParaRPr lang="en-US" altLang="zh-TW"/>
+            <a:endParaRPr lang="en-US" altLang="zh-TW" dirty="0"/>
           </a:p>
           <a:p>
             <a:pPr marL="0" indent="0">
               <a:buNone/>
             </a:pPr>
             <a:r>
-              <a:rPr lang="en-US" altLang="zh-TW"/>
+              <a:rPr lang="en-US" altLang="zh-TW" dirty="0"/>
               <a:t>	</a:t>
             </a:r>
             <a:r>
-              <a:rPr lang="en-US" altLang="zh-TW" err="1"/>
+              <a:rPr lang="en-US" altLang="zh-TW" dirty="0" err="1"/>
               <a:t>Javascript</a:t>
             </a:r>
             <a:r>
-              <a:rPr lang="en-US" altLang="zh-TW"/>
+              <a:rPr lang="en-US" altLang="zh-TW" dirty="0"/>
               <a:t> </a:t>
             </a:r>
             <a:r>
-              <a:rPr lang="zh-TW" altLang="en-US"/>
+              <a:rPr lang="zh-TW" altLang="en-US" dirty="0"/>
               <a:t>會解析為 </a:t>
             </a:r>
             <a:r>
-              <a:rPr lang="en-US" altLang="zh-TW"/>
+              <a:rPr lang="en-US" altLang="zh-TW" dirty="0"/>
               <a:t>return</a:t>
             </a:r>
             <a:r>
-              <a:rPr lang="en-US" altLang="zh-TW">
+              <a:rPr lang="en-US" altLang="zh-TW" dirty="0">
                 <a:solidFill>
                   <a:srgbClr val="FF0000"/>
                 </a:solidFill>
@@ -15447,11 +15439,11 @@
               <a:t>;</a:t>
             </a:r>
             <a:r>
-              <a:rPr lang="zh-TW" altLang="en-US"/>
+              <a:rPr lang="zh-TW" altLang="en-US" dirty="0"/>
               <a:t> </a:t>
             </a:r>
             <a:r>
-              <a:rPr lang="en-US" altLang="zh-TW"/>
+              <a:rPr lang="en-US" altLang="zh-TW" dirty="0"/>
               <a:t>true;</a:t>
             </a:r>
           </a:p>
@@ -15460,23 +15452,23 @@
               <a:buNone/>
             </a:pPr>
             <a:r>
-              <a:rPr lang="en-US" altLang="zh-TW"/>
+              <a:rPr lang="en-US" altLang="zh-TW" dirty="0"/>
               <a:t>	</a:t>
             </a:r>
             <a:r>
-              <a:rPr lang="zh-TW" altLang="en-US"/>
+              <a:rPr lang="zh-TW" altLang="en-US" dirty="0"/>
               <a:t>但你的意思比較可能是 </a:t>
             </a:r>
             <a:r>
-              <a:rPr lang="en-US" altLang="zh-TW"/>
+              <a:rPr lang="en-US" altLang="zh-TW" dirty="0"/>
               <a:t>return</a:t>
             </a:r>
             <a:r>
-              <a:rPr lang="zh-TW" altLang="en-US"/>
+              <a:rPr lang="zh-TW" altLang="en-US" dirty="0"/>
               <a:t> </a:t>
             </a:r>
             <a:r>
-              <a:rPr lang="en-US" altLang="zh-TW"/>
+              <a:rPr lang="en-US" altLang="zh-TW" dirty="0"/>
               <a:t>true;</a:t>
             </a:r>
           </a:p>
@@ -15484,11 +15476,11 @@
             <a:pPr marL="0" indent="0">
               <a:buNone/>
             </a:pPr>
-            <a:endParaRPr lang="en-US" altLang="zh-TW"/>
-          </a:p>
-          <a:p>
-            <a:r>
-              <a:rPr lang="zh-TW" altLang="en-US">
+            <a:endParaRPr lang="en-US" altLang="zh-TW" dirty="0"/>
+          </a:p>
+          <a:p>
+            <a:r>
+              <a:rPr lang="zh-TW" altLang="en-US" dirty="0">
                 <a:solidFill>
                   <a:srgbClr val="FF0000"/>
                 </a:solidFill>
@@ -15496,7 +15488,7 @@
               <a:t>這代表你絕對不能在 </a:t>
             </a:r>
             <a:r>
-              <a:rPr lang="en-US" altLang="zh-TW">
+              <a:rPr lang="en-US" altLang="zh-TW" dirty="0">
                 <a:solidFill>
                   <a:srgbClr val="FF0000"/>
                 </a:solidFill>
@@ -15504,7 +15496,7 @@
               <a:t>return</a:t>
             </a:r>
             <a:r>
-              <a:rPr lang="zh-TW" altLang="en-US">
+              <a:rPr lang="zh-TW" altLang="en-US" dirty="0">
                 <a:solidFill>
                   <a:srgbClr val="FF0000"/>
                 </a:solidFill>
@@ -15512,7 +15504,7 @@
               <a:t>、</a:t>
             </a:r>
             <a:r>
-              <a:rPr lang="en-US" altLang="zh-TW">
+              <a:rPr lang="en-US" altLang="zh-TW" dirty="0">
                 <a:solidFill>
                   <a:srgbClr val="FF0000"/>
                 </a:solidFill>
@@ -15520,7 +15512,7 @@
               <a:t>break </a:t>
             </a:r>
             <a:r>
-              <a:rPr lang="zh-TW" altLang="en-US">
+              <a:rPr lang="zh-TW" altLang="en-US" dirty="0">
                 <a:solidFill>
                   <a:srgbClr val="FF0000"/>
                 </a:solidFill>
@@ -15528,7 +15520,7 @@
               <a:t>或 </a:t>
             </a:r>
             <a:r>
-              <a:rPr lang="en-US" altLang="zh-TW">
+              <a:rPr lang="en-US" altLang="zh-TW" dirty="0">
                 <a:solidFill>
                   <a:srgbClr val="FF0000"/>
                 </a:solidFill>
@@ -15536,7 +15528,7 @@
               <a:t>continue </a:t>
             </a:r>
             <a:r>
-              <a:rPr lang="zh-TW" altLang="en-US">
+              <a:rPr lang="zh-TW" altLang="en-US" dirty="0">
                 <a:solidFill>
                   <a:srgbClr val="FF0000"/>
                 </a:solidFill>
@@ -15544,14 +15536,14 @@
               <a:t>這些關鍵字與接續其後的運算式之間插入換行，如果你真的這樣做，你的程式很有可能以不明顯的方式失靈，而這很難除錯</a:t>
             </a:r>
             <a:r>
-              <a:rPr lang="en-US" altLang="zh-TW">
+              <a:rPr lang="en-US" altLang="zh-TW" dirty="0">
                 <a:solidFill>
                   <a:srgbClr val="FF0000"/>
                 </a:solidFill>
               </a:rPr>
               <a:t>!!</a:t>
             </a:r>
-            <a:endParaRPr lang="zh-TW" altLang="en-US">
+            <a:endParaRPr lang="zh-TW" altLang="en-US" dirty="0">
               <a:solidFill>
                 <a:srgbClr val="FF0000"/>
               </a:solidFill>
@@ -15936,14 +15928,14 @@
           <a:lstStyle/>
           <a:p>
             <a:r>
-              <a:rPr lang="zh-TW" altLang="en-US">
+              <a:rPr lang="zh-TW" altLang="en-US" dirty="0">
                 <a:solidFill>
                   <a:srgbClr val="00B0F0"/>
                 </a:solidFill>
               </a:rPr>
               <a:t>第二個例外</a:t>
             </a:r>
-            <a:endParaRPr lang="en-US" altLang="zh-TW">
+            <a:endParaRPr lang="en-US" altLang="zh-TW" dirty="0">
               <a:solidFill>
                 <a:srgbClr val="00B0F0"/>
               </a:solidFill>
@@ -15951,7 +15943,7 @@
           </a:p>
           <a:p>
             <a:r>
-              <a:rPr lang="en-US" altLang="zh-TW">
+              <a:rPr lang="en-US" altLang="zh-TW" dirty="0">
                 <a:solidFill>
                   <a:schemeClr val="tx1"/>
                 </a:solidFill>
@@ -15959,7 +15951,7 @@
               <a:t>++</a:t>
             </a:r>
             <a:r>
-              <a:rPr lang="zh-TW" altLang="en-US">
+              <a:rPr lang="zh-TW" altLang="en-US" dirty="0">
                 <a:solidFill>
                   <a:schemeClr val="tx1"/>
                 </a:solidFill>
@@ -15967,7 +15959,7 @@
               <a:t> 及 </a:t>
             </a:r>
             <a:r>
-              <a:rPr lang="en-US" altLang="zh-TW">
+              <a:rPr lang="en-US" altLang="zh-TW" dirty="0">
                 <a:solidFill>
                   <a:schemeClr val="tx1"/>
                 </a:solidFill>
@@ -15975,7 +15967,7 @@
               <a:t>--</a:t>
             </a:r>
             <a:r>
-              <a:rPr lang="zh-TW" altLang="en-US">
+              <a:rPr lang="zh-TW" altLang="en-US" dirty="0">
                 <a:solidFill>
                   <a:schemeClr val="tx1"/>
                 </a:solidFill>
@@ -15983,7 +15975,7 @@
               <a:t> 運算子可以當運算式的前綴運算子 </a:t>
             </a:r>
             <a:r>
-              <a:rPr lang="en-US" altLang="zh-TW">
+              <a:rPr lang="en-US" altLang="zh-TW" dirty="0">
                 <a:solidFill>
                   <a:schemeClr val="tx1"/>
                 </a:solidFill>
@@ -15991,7 +15983,7 @@
               <a:t>(prefix, </a:t>
             </a:r>
             <a:r>
-              <a:rPr lang="en-US" altLang="zh-TW" err="1">
+              <a:rPr lang="en-US" altLang="zh-TW" dirty="0" err="1">
                 <a:solidFill>
                   <a:schemeClr val="tx1"/>
                 </a:solidFill>
@@ -15999,7 +15991,7 @@
               <a:t>eg</a:t>
             </a:r>
             <a:r>
-              <a:rPr lang="en-US" altLang="zh-TW">
+              <a:rPr lang="en-US" altLang="zh-TW" dirty="0">
                 <a:solidFill>
                   <a:schemeClr val="tx1"/>
                 </a:solidFill>
@@ -16007,7 +15999,7 @@
               <a:t>. ++x) </a:t>
             </a:r>
             <a:r>
-              <a:rPr lang="zh-TW" altLang="en-US">
+              <a:rPr lang="zh-TW" altLang="en-US" dirty="0">
                 <a:solidFill>
                   <a:schemeClr val="tx1"/>
                 </a:solidFill>
@@ -16015,7 +16007,7 @@
               <a:t>或後綴運算子 </a:t>
             </a:r>
             <a:r>
-              <a:rPr lang="en-US" altLang="zh-TW">
+              <a:rPr lang="en-US" altLang="zh-TW" dirty="0">
                 <a:solidFill>
                   <a:schemeClr val="tx1"/>
                 </a:solidFill>
@@ -16023,7 +16015,7 @@
               <a:t>(postfix, </a:t>
             </a:r>
             <a:r>
-              <a:rPr lang="en-US" altLang="zh-TW" err="1">
+              <a:rPr lang="en-US" altLang="zh-TW" dirty="0" err="1">
                 <a:solidFill>
                   <a:schemeClr val="tx1"/>
                 </a:solidFill>
@@ -16031,7 +16023,7 @@
               <a:t>eg</a:t>
             </a:r>
             <a:r>
-              <a:rPr lang="en-US" altLang="zh-TW">
+              <a:rPr lang="en-US" altLang="zh-TW" dirty="0">
                 <a:solidFill>
                   <a:schemeClr val="tx1"/>
                 </a:solidFill>
@@ -16039,7 +16031,7 @@
               <a:t>. y++)</a:t>
             </a:r>
             <a:r>
-              <a:rPr lang="zh-TW" altLang="en-US">
+              <a:rPr lang="zh-TW" altLang="en-US" dirty="0">
                 <a:solidFill>
                   <a:schemeClr val="tx1"/>
                 </a:solidFill>
@@ -16047,7 +16039,7 @@
               <a:t>，如果你要把它們當作後綴運算子，它們必須跟它們作用的運算式在同一行，若非如此，其中的換行會被視為分號，而 </a:t>
             </a:r>
             <a:r>
-              <a:rPr lang="en-US" altLang="zh-TW">
+              <a:rPr lang="en-US" altLang="zh-TW" dirty="0">
                 <a:solidFill>
                   <a:schemeClr val="tx1"/>
                 </a:solidFill>
@@ -16055,7 +16047,7 @@
               <a:t>++</a:t>
             </a:r>
             <a:r>
-              <a:rPr lang="zh-TW" altLang="en-US">
+              <a:rPr lang="zh-TW" altLang="en-US" dirty="0">
                 <a:solidFill>
                   <a:schemeClr val="tx1"/>
                 </a:solidFill>
@@ -16063,7 +16055,7 @@
               <a:t> 或 </a:t>
             </a:r>
             <a:r>
-              <a:rPr lang="en-US" altLang="zh-TW">
+              <a:rPr lang="en-US" altLang="zh-TW" dirty="0">
                 <a:solidFill>
                   <a:schemeClr val="tx1"/>
                 </a:solidFill>
@@ -16071,7 +16063,7 @@
               <a:t>–</a:t>
             </a:r>
             <a:r>
-              <a:rPr lang="zh-TW" altLang="en-US">
+              <a:rPr lang="zh-TW" altLang="en-US" dirty="0">
                 <a:solidFill>
                   <a:schemeClr val="tx1"/>
                 </a:solidFill>
@@ -16079,7 +16071,7 @@
               <a:t> 會被解析為作用在後續程式碼上的前綴運算子</a:t>
             </a:r>
             <a:r>
-              <a:rPr lang="en-US" altLang="zh-TW">
+              <a:rPr lang="en-US" altLang="zh-TW" dirty="0">
                 <a:solidFill>
                   <a:schemeClr val="tx1"/>
                 </a:solidFill>
@@ -16088,7 +16080,7 @@
             </a:r>
           </a:p>
           <a:p>
-            <a:endParaRPr lang="en-US" altLang="zh-TW">
+            <a:endParaRPr lang="en-US" altLang="zh-TW" dirty="0">
               <a:solidFill>
                 <a:schemeClr val="tx1"/>
               </a:solidFill>
@@ -16096,7 +16088,7 @@
           </a:p>
           <a:p>
             <a:r>
-              <a:rPr lang="en-US" altLang="zh-TW" err="1">
+              <a:rPr lang="en-US" altLang="zh-TW" dirty="0" err="1">
                 <a:solidFill>
                   <a:schemeClr val="tx1"/>
                 </a:solidFill>
@@ -16104,7 +16096,7 @@
               <a:t>Eg</a:t>
             </a:r>
             <a:r>
-              <a:rPr lang="en-US" altLang="zh-TW">
+              <a:rPr lang="en-US" altLang="zh-TW" dirty="0">
                 <a:solidFill>
                   <a:schemeClr val="tx1"/>
                 </a:solidFill>
@@ -16117,7 +16109,7 @@
               <a:buNone/>
             </a:pPr>
             <a:r>
-              <a:rPr lang="en-US" altLang="zh-TW" sz="1800">
+              <a:rPr lang="en-US" altLang="zh-TW" sz="1800" dirty="0">
                 <a:solidFill>
                   <a:schemeClr val="tx1"/>
                 </a:solidFill>
@@ -16130,7 +16122,7 @@
               <a:buNone/>
             </a:pPr>
             <a:r>
-              <a:rPr lang="en-US" altLang="zh-TW">
+              <a:rPr lang="en-US" altLang="zh-TW" dirty="0">
                 <a:solidFill>
                   <a:schemeClr val="tx1"/>
                 </a:solidFill>
@@ -16138,7 +16130,7 @@
               <a:t>	 		 </a:t>
             </a:r>
             <a:r>
-              <a:rPr lang="en-US" altLang="zh-TW" sz="1800">
+              <a:rPr lang="en-US" altLang="zh-TW" sz="1800" dirty="0">
                 <a:solidFill>
                   <a:schemeClr val="tx1"/>
                 </a:solidFill>
@@ -16150,7 +16142,7 @@
             <a:pPr marL="0" indent="0">
               <a:buNone/>
             </a:pPr>
-            <a:endParaRPr lang="en-US" altLang="zh-TW" sz="1800">
+            <a:endParaRPr lang="en-US" altLang="zh-TW" sz="1800" dirty="0">
               <a:solidFill>
                 <a:schemeClr val="tx1"/>
               </a:solidFill>
@@ -16161,7 +16153,7 @@
               <a:buNone/>
             </a:pPr>
             <a:r>
-              <a:rPr lang="en-US" altLang="zh-TW">
+              <a:rPr lang="en-US" altLang="zh-TW" dirty="0">
                 <a:solidFill>
                   <a:schemeClr val="tx1"/>
                 </a:solidFill>
@@ -16169,7 +16161,7 @@
               <a:t>	</a:t>
             </a:r>
             <a:r>
-              <a:rPr lang="zh-TW" altLang="en-US">
+              <a:rPr lang="zh-TW" altLang="en-US" dirty="0">
                 <a:solidFill>
                   <a:schemeClr val="tx1"/>
                 </a:solidFill>
@@ -16177,7 +16169,7 @@
               <a:t>會被解析成 </a:t>
             </a:r>
             <a:r>
-              <a:rPr lang="en-US" altLang="zh-TW">
+              <a:rPr lang="en-US" altLang="zh-TW" dirty="0">
                 <a:solidFill>
                   <a:srgbClr val="FF0000"/>
                 </a:solidFill>
@@ -16185,7 +16177,7 @@
               <a:t>x; ++y; </a:t>
             </a:r>
             <a:r>
-              <a:rPr lang="zh-TW" altLang="en-US">
+              <a:rPr lang="zh-TW" altLang="en-US" dirty="0">
                 <a:solidFill>
                   <a:schemeClr val="tx1"/>
                 </a:solidFill>
@@ -16193,14 +16185,14 @@
               <a:t>而非 </a:t>
             </a:r>
             <a:r>
-              <a:rPr lang="en-US" altLang="zh-TW">
+              <a:rPr lang="en-US" altLang="zh-TW" dirty="0">
                 <a:solidFill>
                   <a:schemeClr val="tx1"/>
                 </a:solidFill>
               </a:rPr>
-              <a:t>++x; y;</a:t>
-            </a:r>
-            <a:endParaRPr lang="zh-TW" altLang="en-US">
+              <a:t>x++; y;</a:t>
+            </a:r>
+            <a:endParaRPr lang="zh-TW" altLang="en-US" dirty="0">
               <a:solidFill>
                 <a:schemeClr val="tx1"/>
               </a:solidFill>
@@ -16289,23 +16281,23 @@
           <a:lstStyle/>
           <a:p>
             <a:r>
-              <a:rPr lang="en-US" altLang="zh-TW" err="1"/>
+              <a:rPr lang="en-US" altLang="zh-TW" dirty="0" err="1"/>
               <a:t>Javascript</a:t>
             </a:r>
             <a:r>
-              <a:rPr lang="en-US" altLang="zh-TW"/>
+              <a:rPr lang="en-US" altLang="zh-TW" dirty="0"/>
               <a:t> </a:t>
             </a:r>
             <a:r>
-              <a:rPr lang="zh-TW" altLang="en-US"/>
+              <a:rPr lang="zh-TW" altLang="en-US" dirty="0"/>
               <a:t>型別可分成兩類 </a:t>
             </a:r>
             <a:r>
-              <a:rPr lang="en-US" altLang="zh-TW"/>
+              <a:rPr lang="en-US" altLang="zh-TW" dirty="0"/>
               <a:t>: </a:t>
             </a:r>
             <a:r>
-              <a:rPr lang="zh-TW" altLang="en-US">
+              <a:rPr lang="zh-TW" altLang="en-US" dirty="0">
                 <a:solidFill>
                   <a:srgbClr val="FF0000"/>
                 </a:solidFill>
@@ -16313,7 +16305,7 @@
               <a:t>基本型別 </a:t>
             </a:r>
             <a:r>
-              <a:rPr lang="en-US" altLang="zh-TW">
+              <a:rPr lang="en-US" altLang="zh-TW" dirty="0">
                 <a:solidFill>
                   <a:srgbClr val="FF0000"/>
                 </a:solidFill>
@@ -16321,11 +16313,11 @@
               <a:t>(primitive types) </a:t>
             </a:r>
             <a:r>
-              <a:rPr lang="zh-TW" altLang="en-US"/>
+              <a:rPr lang="zh-TW" altLang="en-US" dirty="0"/>
               <a:t>與 </a:t>
             </a:r>
             <a:r>
-              <a:rPr lang="zh-TW" altLang="en-US">
+              <a:rPr lang="zh-TW" altLang="en-US" dirty="0">
                 <a:solidFill>
                   <a:srgbClr val="FF0000"/>
                 </a:solidFill>
@@ -16333,7 +16325,7 @@
               <a:t>物件型別 </a:t>
             </a:r>
             <a:r>
-              <a:rPr lang="en-US" altLang="zh-TW">
+              <a:rPr lang="en-US" altLang="zh-TW" dirty="0">
                 <a:solidFill>
                   <a:srgbClr val="FF0000"/>
                 </a:solidFill>
@@ -16341,7 +16333,7 @@
               <a:t>(object</a:t>
             </a:r>
             <a:r>
-              <a:rPr lang="zh-TW" altLang="en-US">
+              <a:rPr lang="zh-TW" altLang="en-US" dirty="0">
                 <a:solidFill>
                   <a:srgbClr val="FF0000"/>
                 </a:solidFill>
@@ -16349,7 +16341,7 @@
               <a:t> </a:t>
             </a:r>
             <a:r>
-              <a:rPr lang="en-US" altLang="zh-TW">
+              <a:rPr lang="en-US" altLang="zh-TW" dirty="0">
                 <a:solidFill>
                   <a:srgbClr val="FF0000"/>
                 </a:solidFill>
@@ -16359,14 +16351,14 @@
           </a:p>
           <a:p>
             <a:r>
-              <a:rPr lang="zh-TW" altLang="en-US">
+              <a:rPr lang="zh-TW" altLang="en-US" dirty="0">
                 <a:solidFill>
                   <a:schemeClr val="tx1"/>
                 </a:solidFill>
               </a:rPr>
               <a:t>基本型別：</a:t>
             </a:r>
-            <a:endParaRPr lang="en-US" altLang="zh-TW">
+            <a:endParaRPr lang="en-US" altLang="zh-TW" dirty="0">
               <a:solidFill>
                 <a:schemeClr val="tx1"/>
               </a:solidFill>
@@ -16378,7 +16370,7 @@
               <a:buChar char="p"/>
             </a:pPr>
             <a:r>
-              <a:rPr lang="en-US" altLang="zh-TW">
+              <a:rPr lang="en-US" altLang="zh-TW" dirty="0">
                 <a:solidFill>
                   <a:schemeClr val="tx1"/>
                 </a:solidFill>
@@ -16386,14 +16378,14 @@
               <a:t>Number </a:t>
             </a:r>
             <a:r>
-              <a:rPr lang="zh-TW" altLang="en-US">
+              <a:rPr lang="zh-TW" altLang="en-US" dirty="0">
                 <a:solidFill>
                   <a:schemeClr val="tx1"/>
                 </a:solidFill>
               </a:rPr>
               <a:t>數字</a:t>
             </a:r>
-            <a:endParaRPr lang="en-US" altLang="zh-TW">
+            <a:endParaRPr lang="en-US" altLang="zh-TW" dirty="0">
               <a:solidFill>
                 <a:schemeClr val="tx1"/>
               </a:solidFill>
@@ -16405,7 +16397,7 @@
               <a:buChar char="p"/>
             </a:pPr>
             <a:r>
-              <a:rPr lang="en-US" altLang="zh-TW">
+              <a:rPr lang="en-US" altLang="zh-TW" dirty="0">
                 <a:solidFill>
                   <a:schemeClr val="tx1"/>
                 </a:solidFill>
@@ -16413,7 +16405,7 @@
               <a:t>String </a:t>
             </a:r>
             <a:r>
-              <a:rPr lang="zh-TW" altLang="en-US">
+              <a:rPr lang="zh-TW" altLang="en-US" dirty="0">
                 <a:solidFill>
                   <a:schemeClr val="tx1"/>
                 </a:solidFill>
@@ -16421,7 +16413,7 @@
               <a:t>文字字串 </a:t>
             </a:r>
             <a:r>
-              <a:rPr lang="en-US" altLang="zh-TW">
+              <a:rPr lang="en-US" altLang="zh-TW" dirty="0">
                 <a:solidFill>
                   <a:schemeClr val="tx1"/>
                 </a:solidFill>
@@ -16429,7 +16421,7 @@
               <a:t>(</a:t>
             </a:r>
             <a:r>
-              <a:rPr lang="zh-TW" altLang="en-US">
+              <a:rPr lang="zh-TW" altLang="en-US" dirty="0">
                 <a:solidFill>
                   <a:schemeClr val="tx1"/>
                 </a:solidFill>
@@ -16437,7 +16429,7 @@
               <a:t>簡稱字串</a:t>
             </a:r>
             <a:r>
-              <a:rPr lang="en-US" altLang="zh-TW">
+              <a:rPr lang="en-US" altLang="zh-TW" dirty="0">
                 <a:solidFill>
                   <a:schemeClr val="tx1"/>
                 </a:solidFill>
@@ -16451,7 +16443,7 @@
               <a:buChar char="p"/>
             </a:pPr>
             <a:r>
-              <a:rPr lang="en-US" altLang="zh-TW">
+              <a:rPr lang="en-US" altLang="zh-TW" dirty="0">
                 <a:solidFill>
                   <a:schemeClr val="tx1"/>
                 </a:solidFill>
@@ -16459,7 +16451,7 @@
               <a:t>Boolean </a:t>
             </a:r>
             <a:r>
-              <a:rPr lang="zh-TW" altLang="en-US">
+              <a:rPr lang="zh-TW" altLang="en-US" dirty="0">
                 <a:solidFill>
                   <a:schemeClr val="tx1"/>
                 </a:solidFill>
@@ -16467,7 +16459,7 @@
               <a:t>布林真偽值 </a:t>
             </a:r>
             <a:r>
-              <a:rPr lang="en-US" altLang="zh-TW">
+              <a:rPr lang="en-US" altLang="zh-TW" dirty="0">
                 <a:solidFill>
                   <a:schemeClr val="tx1"/>
                 </a:solidFill>
@@ -16475,7 +16467,7 @@
               <a:t>(</a:t>
             </a:r>
             <a:r>
-              <a:rPr lang="zh-TW" altLang="en-US">
+              <a:rPr lang="zh-TW" altLang="en-US" dirty="0">
                 <a:solidFill>
                   <a:schemeClr val="tx1"/>
                 </a:solidFill>
@@ -16483,7 +16475,7 @@
               <a:t>簡稱布林值</a:t>
             </a:r>
             <a:r>
-              <a:rPr lang="en-US" altLang="zh-TW">
+              <a:rPr lang="en-US" altLang="zh-TW" dirty="0">
                 <a:solidFill>
                   <a:schemeClr val="tx1"/>
                 </a:solidFill>
@@ -16493,14 +16485,14 @@
           </a:p>
           <a:p>
             <a:r>
-              <a:rPr lang="zh-TW" altLang="en-US">
+              <a:rPr lang="zh-TW" altLang="en-US" dirty="0">
                 <a:solidFill>
                   <a:schemeClr val="tx1"/>
                 </a:solidFill>
               </a:rPr>
               <a:t>基本型別值：</a:t>
             </a:r>
-            <a:endParaRPr lang="en-US" altLang="zh-TW">
+            <a:endParaRPr lang="en-US" altLang="zh-TW" dirty="0">
               <a:solidFill>
                 <a:schemeClr val="tx1"/>
               </a:solidFill>
@@ -16512,7 +16504,7 @@
               <a:buChar char="p"/>
             </a:pPr>
             <a:r>
-              <a:rPr lang="en-US" altLang="zh-TW">
+              <a:rPr lang="en-US" altLang="zh-TW" dirty="0">
                 <a:solidFill>
                   <a:schemeClr val="tx1"/>
                 </a:solidFill>
@@ -16526,7 +16518,7 @@
               <a:buChar char="p"/>
             </a:pPr>
             <a:r>
-              <a:rPr lang="en-US" altLang="zh-TW">
+              <a:rPr lang="en-US" altLang="zh-TW" dirty="0">
                 <a:solidFill>
                   <a:schemeClr val="tx1"/>
                 </a:solidFill>
@@ -16745,7 +16737,7 @@
                   <a:schemeClr val="tx1"/>
                 </a:solidFill>
               </a:rPr>
-              <a:t>每一個屬性解有一個名稱 </a:t>
+              <a:t>每一個屬性只有一個名稱 </a:t>
             </a:r>
             <a:r>
               <a:rPr lang="en-US" altLang="zh-TW" dirty="0">
@@ -16854,6 +16846,21 @@
               </a:rPr>
               <a:t>	}</a:t>
             </a:r>
+          </a:p>
+          <a:p>
+            <a:pPr marL="0" indent="0">
+              <a:buNone/>
+            </a:pPr>
+            <a:endParaRPr lang="en-US" altLang="zh-TW" dirty="0">
+              <a:solidFill>
+                <a:schemeClr val="tx1"/>
+              </a:solidFill>
+            </a:endParaRPr>
+          </a:p>
+          <a:p>
+            <a:pPr marL="0" indent="0">
+              <a:buNone/>
+            </a:pPr>
             <a:endParaRPr lang="zh-TW" altLang="en-US" dirty="0">
               <a:solidFill>
                 <a:schemeClr val="tx1"/>
@@ -17459,19 +17466,19 @@
           <a:lstStyle/>
           <a:p>
             <a:r>
-              <a:rPr lang="zh-TW" altLang="en-US"/>
+              <a:rPr lang="zh-TW" altLang="en-US" dirty="0"/>
               <a:t>基本上，</a:t>
             </a:r>
             <a:r>
-              <a:rPr lang="zh-TW" altLang="en-US" b="1"/>
+              <a:rPr lang="zh-TW" altLang="en-US" b="1" dirty="0"/>
               <a:t>類別</a:t>
             </a:r>
             <a:r>
-              <a:rPr lang="zh-TW" altLang="en-US"/>
+              <a:rPr lang="zh-TW" altLang="en-US" dirty="0"/>
               <a:t>只用來決定 </a:t>
             </a:r>
             <a:r>
-              <a:rPr lang="zh-TW" altLang="en-US" b="1">
+              <a:rPr lang="zh-TW" altLang="en-US" b="1" dirty="0">
                 <a:solidFill>
                   <a:srgbClr val="00B0F0"/>
                 </a:solidFill>
@@ -17479,11 +17486,11 @@
               <a:t>物件形成 </a:t>
             </a:r>
             <a:r>
-              <a:rPr lang="zh-TW" altLang="en-US"/>
+              <a:rPr lang="zh-TW" altLang="en-US" dirty="0"/>
               <a:t>時的樣子。通常包含著</a:t>
             </a:r>
             <a:r>
-              <a:rPr lang="zh-TW" altLang="en-US">
+              <a:rPr lang="zh-TW" altLang="en-US" dirty="0">
                 <a:solidFill>
                   <a:srgbClr val="FF0000"/>
                 </a:solidFill>
@@ -17491,7 +17498,7 @@
               <a:t>屬性</a:t>
             </a:r>
             <a:r>
-              <a:rPr lang="en-US" altLang="zh-TW">
+              <a:rPr lang="en-US" altLang="zh-TW" dirty="0">
                 <a:solidFill>
                   <a:srgbClr val="FF0000"/>
                 </a:solidFill>
@@ -17499,7 +17506,7 @@
               <a:t>(Property)</a:t>
             </a:r>
             <a:r>
-              <a:rPr lang="zh-TW" altLang="en-US">
+              <a:rPr lang="zh-TW" altLang="en-US" dirty="0">
                 <a:solidFill>
                   <a:srgbClr val="FF0000"/>
                 </a:solidFill>
@@ -17507,11 +17514,11 @@
               <a:t> </a:t>
             </a:r>
             <a:r>
-              <a:rPr lang="zh-TW" altLang="en-US"/>
+              <a:rPr lang="zh-TW" altLang="en-US" dirty="0"/>
               <a:t>用以表示狀態及</a:t>
             </a:r>
             <a:r>
-              <a:rPr lang="zh-TW" altLang="en-US">
+              <a:rPr lang="zh-TW" altLang="en-US" dirty="0">
                 <a:solidFill>
                   <a:srgbClr val="FF0000"/>
                 </a:solidFill>
@@ -17519,7 +17526,7 @@
               <a:t>方法</a:t>
             </a:r>
             <a:r>
-              <a:rPr lang="en-US" altLang="zh-TW">
+              <a:rPr lang="en-US" altLang="zh-TW" dirty="0">
                 <a:solidFill>
                   <a:srgbClr val="FF0000"/>
                 </a:solidFill>
@@ -17527,55 +17534,55 @@
               <a:t>(Method)</a:t>
             </a:r>
             <a:r>
-              <a:rPr lang="zh-TW" altLang="en-US"/>
+              <a:rPr lang="zh-TW" altLang="en-US" dirty="0"/>
               <a:t>用以顯示行為。</a:t>
             </a:r>
-            <a:endParaRPr lang="en-US" altLang="zh-TW"/>
-          </a:p>
-          <a:p>
-            <a:r>
-              <a:rPr lang="zh-TW" altLang="en-US"/>
+            <a:endParaRPr lang="en-US" altLang="zh-TW" dirty="0"/>
+          </a:p>
+          <a:p>
+            <a:r>
+              <a:rPr lang="zh-TW" altLang="en-US" dirty="0"/>
               <a:t>當物件形成時，</a:t>
             </a:r>
             <a:r>
-              <a:rPr lang="zh-TW" altLang="en-US" b="1"/>
+              <a:rPr lang="zh-TW" altLang="en-US" b="1" dirty="0"/>
               <a:t>物件</a:t>
             </a:r>
             <a:r>
-              <a:rPr lang="zh-TW" altLang="en-US"/>
+              <a:rPr lang="zh-TW" altLang="en-US" dirty="0"/>
               <a:t>就變成一個記憶體中的空間，記載著物件活動時暫存的資料與狀態。</a:t>
             </a:r>
-            <a:endParaRPr lang="en-US" altLang="zh-TW"/>
-          </a:p>
-          <a:p>
-            <a:r>
-              <a:rPr lang="zh-TW" altLang="en-US"/>
-              <a:t>並且當有</a:t>
-            </a:r>
-            <a:r>
-              <a:rPr lang="zh-TW" altLang="en-US" b="1"/>
+            <a:endParaRPr lang="en-US" altLang="zh-TW" dirty="0"/>
+          </a:p>
+          <a:p>
+            <a:r>
+              <a:rPr lang="zh-TW" altLang="en-US" dirty="0"/>
+              <a:t>並且當</a:t>
+            </a:r>
+            <a:r>
+              <a:rPr lang="zh-TW" altLang="en-US" b="1" dirty="0"/>
               <a:t>類別</a:t>
             </a:r>
             <a:r>
-              <a:rPr lang="zh-TW" altLang="en-US"/>
-              <a:t>存在時有能力透過 </a:t>
-            </a:r>
-            <a:r>
-              <a:rPr lang="zh-TW" altLang="en-US" b="1"/>
+              <a:rPr lang="zh-TW" altLang="en-US" dirty="0"/>
+              <a:t>存在時物件才有能力透過 </a:t>
+            </a:r>
+            <a:r>
+              <a:rPr lang="zh-TW" altLang="en-US" b="1" dirty="0"/>
               <a:t>方法 </a:t>
             </a:r>
             <a:r>
-              <a:rPr lang="zh-TW" altLang="en-US"/>
+              <a:rPr lang="zh-TW" altLang="en-US" dirty="0"/>
               <a:t>執行一些動作。</a:t>
             </a:r>
-            <a:endParaRPr lang="en-US" altLang="zh-TW"/>
-          </a:p>
-          <a:p>
-            <a:endParaRPr lang="en-US" altLang="zh-TW"/>
-          </a:p>
-          <a:p>
-            <a:r>
-              <a:rPr lang="zh-TW" altLang="en-US" b="1">
+            <a:endParaRPr lang="en-US" altLang="zh-TW" dirty="0"/>
+          </a:p>
+          <a:p>
+            <a:endParaRPr lang="en-US" altLang="zh-TW" dirty="0"/>
+          </a:p>
+          <a:p>
+            <a:r>
+              <a:rPr lang="zh-TW" altLang="en-US" b="1" dirty="0">
                 <a:solidFill>
                   <a:srgbClr val="FF0000"/>
                 </a:solidFill>
@@ -17584,7 +17591,7 @@
             </a:r>
           </a:p>
           <a:p>
-            <a:endParaRPr lang="zh-TW" altLang="en-US"/>
+            <a:endParaRPr lang="zh-TW" altLang="en-US" dirty="0"/>
           </a:p>
         </p:txBody>
       </p:sp>
@@ -24073,104 +24080,104 @@
           <a:lstStyle/>
           <a:p>
             <a:r>
-              <a:rPr lang="zh-TW" altLang="en-US"/>
+              <a:rPr lang="zh-TW" altLang="en-US" dirty="0"/>
               <a:t>點擊 左側 </a:t>
             </a:r>
             <a:r>
-              <a:rPr lang="en-US" altLang="zh-TW"/>
+              <a:rPr lang="en-US" altLang="zh-TW" dirty="0"/>
               <a:t>Debug</a:t>
             </a:r>
             <a:r>
-              <a:rPr lang="zh-TW" altLang="en-US"/>
+              <a:rPr lang="zh-TW" altLang="en-US" dirty="0"/>
               <a:t> </a:t>
             </a:r>
             <a:r>
-              <a:rPr lang="en-US" altLang="zh-TW"/>
+              <a:rPr lang="en-US" altLang="zh-TW" dirty="0"/>
               <a:t>Menu</a:t>
             </a:r>
             <a:r>
-              <a:rPr lang="zh-TW" altLang="en-US"/>
+              <a:rPr lang="zh-TW" altLang="en-US" dirty="0"/>
               <a:t> </a:t>
             </a:r>
             <a:r>
-              <a:rPr lang="en-US" altLang="zh-TW"/>
+              <a:rPr lang="en-US" altLang="zh-TW" dirty="0"/>
               <a:t>Bar</a:t>
             </a:r>
           </a:p>
           <a:p>
             <a:r>
-              <a:rPr lang="zh-TW" altLang="en-US"/>
+              <a:rPr lang="zh-TW" altLang="en-US" dirty="0"/>
               <a:t>點擊上方功能設定 </a:t>
             </a:r>
             <a:r>
-              <a:rPr lang="en-US" altLang="zh-TW"/>
+              <a:rPr lang="en-US" altLang="zh-TW" dirty="0"/>
               <a:t>icon </a:t>
             </a:r>
           </a:p>
           <a:p>
             <a:r>
-              <a:rPr lang="zh-TW" altLang="en-US"/>
+              <a:rPr lang="zh-TW" altLang="en-US" dirty="0"/>
               <a:t>選擇 </a:t>
             </a:r>
             <a:r>
-              <a:rPr lang="en-US" altLang="zh-TW"/>
+              <a:rPr lang="en-US" altLang="zh-TW" dirty="0"/>
               <a:t>debug </a:t>
             </a:r>
             <a:r>
-              <a:rPr lang="zh-TW" altLang="en-US"/>
+              <a:rPr lang="zh-TW" altLang="en-US" dirty="0"/>
               <a:t>環境 </a:t>
             </a:r>
             <a:r>
-              <a:rPr lang="en-US" altLang="zh-TW"/>
+              <a:rPr lang="en-US" altLang="zh-TW" dirty="0"/>
               <a:t>=&gt;</a:t>
             </a:r>
             <a:r>
-              <a:rPr lang="zh-TW" altLang="en-US"/>
+              <a:rPr lang="zh-TW" altLang="en-US" dirty="0"/>
               <a:t> </a:t>
             </a:r>
             <a:r>
-              <a:rPr lang="en-US" altLang="zh-TW"/>
+              <a:rPr lang="en-US" altLang="zh-TW" dirty="0"/>
               <a:t>Node.js</a:t>
             </a:r>
           </a:p>
           <a:p>
-            <a:endParaRPr lang="en-US" altLang="zh-TW"/>
-          </a:p>
-          <a:p>
-            <a:endParaRPr lang="en-US" altLang="zh-TW"/>
-          </a:p>
-          <a:p>
-            <a:endParaRPr lang="en-US" altLang="zh-TW"/>
-          </a:p>
-          <a:p>
-            <a:r>
-              <a:rPr lang="zh-TW" altLang="en-US"/>
+            <a:endParaRPr lang="en-US" altLang="zh-TW" dirty="0"/>
+          </a:p>
+          <a:p>
+            <a:endParaRPr lang="en-US" altLang="zh-TW" dirty="0"/>
+          </a:p>
+          <a:p>
+            <a:endParaRPr lang="en-US" altLang="zh-TW" dirty="0"/>
+          </a:p>
+          <a:p>
+            <a:r>
+              <a:rPr lang="zh-TW" altLang="en-US" dirty="0"/>
               <a:t>會先建立 </a:t>
             </a:r>
             <a:r>
-              <a:rPr lang="en-US" altLang="zh-TW" err="1"/>
+              <a:rPr lang="en-US" altLang="zh-TW" dirty="0" err="1"/>
               <a:t>lauch.json</a:t>
             </a:r>
             <a:r>
-              <a:rPr lang="zh-TW" altLang="en-US"/>
+              <a:rPr lang="zh-TW" altLang="en-US" dirty="0"/>
               <a:t> 設定檔</a:t>
             </a:r>
-            <a:endParaRPr lang="en-US" altLang="zh-TW"/>
-          </a:p>
-          <a:p>
-            <a:r>
-              <a:rPr lang="zh-TW" altLang="en-US"/>
+            <a:endParaRPr lang="en-US" altLang="zh-TW" dirty="0"/>
+          </a:p>
+          <a:p>
+            <a:r>
+              <a:rPr lang="zh-TW" altLang="en-US" dirty="0"/>
               <a:t>將 </a:t>
             </a:r>
             <a:r>
-              <a:rPr lang="en-US" altLang="zh-TW"/>
+              <a:rPr lang="en-US" altLang="zh-TW" dirty="0"/>
               <a:t>configurations[0].program</a:t>
             </a:r>
             <a:r>
-              <a:rPr lang="zh-TW" altLang="en-US"/>
+              <a:rPr lang="zh-TW" altLang="en-US" dirty="0"/>
               <a:t> 修改為實際程式進入點</a:t>
             </a:r>
-            <a:endParaRPr lang="en-US" altLang="zh-TW"/>
+            <a:endParaRPr lang="en-US" altLang="zh-TW" dirty="0"/>
           </a:p>
           <a:p>
             <a:pPr lvl="1">
@@ -24178,26 +24185,26 @@
               <a:buChar char="p"/>
             </a:pPr>
             <a:r>
-              <a:rPr lang="zh-TW" altLang="en-US"/>
+              <a:rPr lang="zh-TW" altLang="en-US" dirty="0"/>
               <a:t>需保留 </a:t>
             </a:r>
             <a:r>
-              <a:rPr lang="en-US" altLang="zh-TW"/>
+              <a:rPr lang="en-US" altLang="zh-TW" dirty="0"/>
               <a:t>${</a:t>
             </a:r>
             <a:r>
-              <a:rPr lang="en-US" altLang="zh-TW" err="1"/>
+              <a:rPr lang="en-US" altLang="zh-TW" dirty="0" err="1"/>
               <a:t>workspaceRoot</a:t>
             </a:r>
             <a:r>
-              <a:rPr lang="en-US" altLang="zh-TW"/>
+              <a:rPr lang="en-US" altLang="zh-TW" dirty="0"/>
               <a:t>}</a:t>
             </a:r>
             <a:r>
-              <a:rPr lang="zh-TW" altLang="en-US"/>
+              <a:rPr lang="zh-TW" altLang="en-US" dirty="0"/>
               <a:t> 工作區路徑</a:t>
             </a:r>
-            <a:endParaRPr lang="en-US" altLang="zh-TW"/>
+            <a:endParaRPr lang="en-US" altLang="zh-TW" dirty="0"/>
           </a:p>
           <a:p>
             <a:pPr lvl="1">
@@ -24205,10 +24212,22 @@
               <a:buChar char="p"/>
             </a:pPr>
             <a:r>
-              <a:rPr lang="en-US" altLang="zh-TW"/>
-              <a:t>Eg. "program": "${workspaceRoot}/Part-1-Type-Value-Variable/testVariableHoisting2.js"</a:t>
-            </a:r>
-            <a:endParaRPr lang="zh-TW" altLang="en-US"/>
+              <a:rPr lang="en-US" altLang="zh-TW" dirty="0" err="1"/>
+              <a:t>Eg</a:t>
+            </a:r>
+            <a:r>
+              <a:rPr lang="en-US" altLang="zh-TW" dirty="0"/>
+              <a:t>. "program": "${</a:t>
+            </a:r>
+            <a:r>
+              <a:rPr lang="en-US" altLang="zh-TW" dirty="0" err="1"/>
+              <a:t>workspaceRoot</a:t>
+            </a:r>
+            <a:r>
+              <a:rPr lang="en-US" altLang="zh-TW" dirty="0"/>
+              <a:t>}/Part-1-Type-Value-Variable/testVariableHoisting2.js"</a:t>
+            </a:r>
+            <a:endParaRPr lang="zh-TW" altLang="en-US" dirty="0"/>
           </a:p>
         </p:txBody>
       </p:sp>
